--- a/materials/01-DataPreprocessing.pptx
+++ b/materials/01-DataPreprocessing.pptx
@@ -14348,7 +14348,7 @@
           <a:p>
             <a:fld id="{02297A90-1AFB-4FA1-ADF2-69FD2D1230BA}" type="datetimeFigureOut">
               <a:rPr lang="en-US" smtClean="0"/>
-              <a:t>11/3/2022</a:t>
+              <a:t>11/4/2022</a:t>
             </a:fld>
             <a:endParaRPr lang="en-US"/>
           </a:p>
@@ -14526,7 +14526,7 @@
           <a:p>
             <a:fld id="{2D15495C-7C85-4DFE-8C2B-354A7A489EB6}" type="datetimeFigureOut">
               <a:rPr lang="it-IT" smtClean="0"/>
-              <a:t>03/11/2022</a:t>
+              <a:t>04/11/2022</a:t>
             </a:fld>
             <a:endParaRPr lang="it-IT"/>
           </a:p>
@@ -19032,7 +19032,7 @@
           <a:lstStyle/>
           <a:p>
             <a:r>
-              <a:rPr lang="en-US"/>
+              <a:rPr lang="en-US" noProof="0" dirty="0"/>
               <a:t>Data preprocessing</a:t>
             </a:r>
           </a:p>
@@ -19065,7 +19065,7 @@
           <a:lstStyle/>
           <a:p>
             <a:r>
-              <a:rPr lang="en-US"/>
+              <a:rPr lang="en-US" noProof="0" dirty="0"/>
               <a:t>Hands on python and pandas</a:t>
             </a:r>
           </a:p>
@@ -19221,10 +19221,9 @@
           <a:lstStyle/>
           <a:p>
             <a:r>
-              <a:rPr lang="it-IT" dirty="0"/>
+              <a:rPr lang="en-US" noProof="0" dirty="0"/>
               <a:t>In action!</a:t>
             </a:r>
-            <a:endParaRPr lang="en-US" dirty="0"/>
           </a:p>
         </p:txBody>
       </p:sp>
@@ -19309,7 +19308,7 @@
           <a:lstStyle/>
           <a:p>
             <a:r>
-              <a:rPr lang="en-US" dirty="0">
+              <a:rPr lang="en-US" noProof="0" dirty="0">
                 <a:latin typeface="Helvetica"/>
                 <a:cs typeface="Helvetica"/>
                 <a:hlinkClick r:id="rId7"/>
@@ -19317,13 +19316,13 @@
               <a:t>https://github.com/w4bo/2022-bbs-dsaa/blob/master/materials/00-PythonFundamentals.ipynb</a:t>
             </a:r>
             <a:r>
-              <a:rPr lang="en-US" dirty="0">
+              <a:rPr lang="en-US" noProof="0" dirty="0">
                 <a:latin typeface="Helvetica"/>
                 <a:cs typeface="Helvetica"/>
               </a:rPr>
               <a:t> </a:t>
             </a:r>
-            <a:endParaRPr lang="en-US"/>
+            <a:endParaRPr lang="en-US" noProof="0" dirty="0"/>
           </a:p>
         </p:txBody>
       </p:sp>
@@ -19448,10 +19447,9 @@
           <a:lstStyle/>
           <a:p>
             <a:r>
-              <a:rPr lang="it-IT" dirty="0"/>
+              <a:rPr lang="en-US" noProof="0" dirty="0"/>
               <a:t>In action!</a:t>
             </a:r>
-            <a:endParaRPr lang="en-US" dirty="0"/>
           </a:p>
         </p:txBody>
       </p:sp>
@@ -19760,12 +19758,8 @@
           <a:lstStyle/>
           <a:p>
             <a:r>
-              <a:rPr lang="it-IT" dirty="0"/>
-              <a:t>Data </a:t>
-            </a:r>
-            <a:r>
-              <a:rPr lang="en-US" dirty="0"/>
-              <a:t>analysis</a:t>
+              <a:rPr lang="en-US" noProof="0" dirty="0"/>
+              <a:t>Data analysis</a:t>
             </a:r>
           </a:p>
         </p:txBody>
@@ -19797,14 +19791,14 @@
           <a:lstStyle/>
           <a:p>
             <a:r>
-              <a:rPr lang="en-US" dirty="0"/>
+              <a:rPr lang="en-US" noProof="0" dirty="0"/>
               <a:t>Data analysis involves several steps:</a:t>
             </a:r>
           </a:p>
           <a:p>
             <a:pPr lvl="1"/>
             <a:r>
-              <a:rPr lang="en-US" dirty="0">
+              <a:rPr lang="en-US" noProof="0" dirty="0">
                 <a:solidFill>
                   <a:schemeClr val="accent1"/>
                 </a:solidFill>
@@ -19812,14 +19806,14 @@
               <a:t>Collection</a:t>
             </a:r>
             <a:r>
-              <a:rPr lang="en-US" dirty="0"/>
+              <a:rPr lang="en-US" noProof="0" dirty="0"/>
               <a:t> of data from one or more sources (database, web, etc.)</a:t>
             </a:r>
           </a:p>
           <a:p>
             <a:pPr lvl="1"/>
             <a:r>
-              <a:rPr lang="en-US" dirty="0">
+              <a:rPr lang="en-US" noProof="0" dirty="0">
                 <a:solidFill>
                   <a:schemeClr val="accent1"/>
                 </a:solidFill>
@@ -19827,14 +19821,14 @@
               <a:t>Understanding</a:t>
             </a:r>
             <a:r>
-              <a:rPr lang="en-US" dirty="0"/>
+              <a:rPr lang="en-US" noProof="0" dirty="0"/>
               <a:t> of the structure and meaning of data</a:t>
             </a:r>
           </a:p>
           <a:p>
             <a:pPr lvl="1"/>
             <a:r>
-              <a:rPr lang="en-US" dirty="0">
+              <a:rPr lang="en-US" noProof="0" dirty="0">
                 <a:solidFill>
                   <a:schemeClr val="accent1"/>
                 </a:solidFill>
@@ -19842,14 +19836,14 @@
               <a:t>Transformation </a:t>
             </a:r>
             <a:r>
-              <a:rPr lang="en-US" dirty="0"/>
+              <a:rPr lang="en-US" noProof="0" dirty="0"/>
               <a:t>of data into manageable formats for subsequent steps</a:t>
             </a:r>
           </a:p>
           <a:p>
             <a:pPr lvl="1"/>
             <a:r>
-              <a:rPr lang="en-US" dirty="0">
+              <a:rPr lang="en-US" noProof="0" dirty="0">
                 <a:solidFill>
                   <a:schemeClr val="accent1"/>
                 </a:solidFill>
@@ -19857,14 +19851,14 @@
               <a:t>Extraction </a:t>
             </a:r>
             <a:r>
-              <a:rPr lang="en-US" dirty="0"/>
+              <a:rPr lang="en-US" noProof="0" dirty="0"/>
               <a:t>of knowledge from data (statistics, models, patterns, etc.)</a:t>
             </a:r>
           </a:p>
           <a:p>
             <a:pPr lvl="1"/>
             <a:r>
-              <a:rPr lang="en-US" dirty="0">
+              <a:rPr lang="en-US" noProof="0" dirty="0">
                 <a:solidFill>
                   <a:schemeClr val="accent1"/>
                 </a:solidFill>
@@ -19872,14 +19866,14 @@
               <a:t>Validation</a:t>
             </a:r>
             <a:r>
-              <a:rPr lang="en-US" dirty="0"/>
+              <a:rPr lang="en-US" noProof="0" dirty="0"/>
               <a:t> of the extracted knowledge</a:t>
             </a:r>
           </a:p>
           <a:p>
             <a:pPr lvl="1"/>
             <a:r>
-              <a:rPr lang="en-US" dirty="0">
+              <a:rPr lang="en-US" noProof="0" dirty="0">
                 <a:solidFill>
                   <a:schemeClr val="accent1"/>
                 </a:solidFill>
@@ -19887,7 +19881,7 @@
               <a:t>Deployment</a:t>
             </a:r>
             <a:r>
-              <a:rPr lang="en-US" dirty="0"/>
+              <a:rPr lang="en-US" noProof="0" dirty="0"/>
               <a:t> of the extracted knowledge and models</a:t>
             </a:r>
           </a:p>
@@ -20068,7 +20062,7 @@
           <a:lstStyle/>
           <a:p>
             <a:r>
-              <a:rPr lang="en-US" dirty="0"/>
+              <a:rPr lang="en-US" noProof="0" dirty="0"/>
               <a:t>Data preparation</a:t>
             </a:r>
           </a:p>
@@ -20101,11 +20095,11 @@
           <a:lstStyle/>
           <a:p>
             <a:r>
-              <a:rPr lang="en-US" dirty="0"/>
+              <a:rPr lang="en-US" noProof="0" dirty="0"/>
               <a:t>(Relational) data are usually collected in </a:t>
             </a:r>
             <a:r>
-              <a:rPr lang="en-US" dirty="0">
+              <a:rPr lang="en-US" noProof="0" dirty="0">
                 <a:solidFill>
                   <a:srgbClr val="FF0000"/>
                 </a:solidFill>
@@ -20116,46 +20110,46 @@
           <a:p>
             <a:pPr lvl="1"/>
             <a:r>
-              <a:rPr lang="en-US" dirty="0"/>
+              <a:rPr lang="en-US" noProof="0" dirty="0"/>
               <a:t>Each row is an observation (or instance)</a:t>
             </a:r>
           </a:p>
           <a:p>
             <a:pPr lvl="2"/>
             <a:r>
-              <a:rPr lang="en-US" dirty="0"/>
+              <a:rPr lang="en-US" noProof="0" dirty="0"/>
               <a:t>An object of the analysis</a:t>
             </a:r>
           </a:p>
           <a:p>
             <a:pPr lvl="2"/>
             <a:r>
-              <a:rPr lang="en-US" dirty="0"/>
+              <a:rPr lang="en-US" noProof="0" dirty="0"/>
               <a:t>E.g., a product for market basket analysis</a:t>
             </a:r>
           </a:p>
           <a:p>
             <a:pPr lvl="1"/>
             <a:r>
-              <a:rPr lang="en-US" dirty="0"/>
+              <a:rPr lang="en-US" noProof="0" dirty="0"/>
               <a:t>Each column is an attribute (or feature) characterizing each object</a:t>
             </a:r>
           </a:p>
           <a:p>
             <a:pPr lvl="2"/>
             <a:r>
-              <a:rPr lang="en-US" dirty="0"/>
+              <a:rPr lang="en-US" noProof="0" dirty="0"/>
               <a:t>All values within a column have the same type (i.e., all values belong to the same attribute domain)</a:t>
             </a:r>
           </a:p>
           <a:p>
             <a:pPr lvl="2"/>
             <a:r>
-              <a:rPr lang="en-US" dirty="0"/>
+              <a:rPr lang="en-US" noProof="0" dirty="0"/>
               <a:t>E.g., the attributes </a:t>
             </a:r>
             <a:r>
-              <a:rPr lang="en-US" dirty="0">
+              <a:rPr lang="en-US" noProof="0" dirty="0">
                 <a:solidFill>
                   <a:schemeClr val="accent1"/>
                 </a:solidFill>
@@ -20163,11 +20157,11 @@
               <a:t>ID (int)</a:t>
             </a:r>
             <a:r>
-              <a:rPr lang="en-US" dirty="0"/>
+              <a:rPr lang="en-US" noProof="0" dirty="0"/>
               <a:t>, </a:t>
             </a:r>
             <a:r>
-              <a:rPr lang="en-US" dirty="0">
+              <a:rPr lang="en-US" noProof="0" dirty="0">
                 <a:solidFill>
                   <a:schemeClr val="accent1"/>
                 </a:solidFill>
@@ -20175,11 +20169,11 @@
               <a:t>ProductName (str)</a:t>
             </a:r>
             <a:r>
-              <a:rPr lang="en-US" dirty="0"/>
+              <a:rPr lang="en-US" noProof="0" dirty="0"/>
               <a:t>,</a:t>
             </a:r>
             <a:r>
-              <a:rPr lang="en-US" dirty="0">
+              <a:rPr lang="en-US" noProof="0" dirty="0">
                 <a:solidFill>
                   <a:schemeClr val="accent1"/>
                 </a:solidFill>
@@ -20187,11 +20181,11 @@
               <a:t> </a:t>
             </a:r>
             <a:r>
-              <a:rPr lang="en-US" dirty="0"/>
+              <a:rPr lang="en-US" noProof="0" dirty="0"/>
               <a:t>or </a:t>
             </a:r>
             <a:r>
-              <a:rPr lang="en-US" dirty="0">
+              <a:rPr lang="en-US" noProof="0" dirty="0">
                 <a:solidFill>
                   <a:schemeClr val="accent1"/>
                 </a:solidFill>
@@ -20201,28 +20195,28 @@
           </a:p>
           <a:p>
             <a:r>
-              <a:rPr lang="en-US" dirty="0"/>
+              <a:rPr lang="en-US" noProof="0" dirty="0"/>
               <a:t>"It is imperative to know the attribute properties to carry out meaningful operations and research with them"</a:t>
             </a:r>
           </a:p>
           <a:p>
             <a:pPr lvl="1"/>
             <a:r>
-              <a:rPr lang="en-US" dirty="0"/>
+              <a:rPr lang="en-US" noProof="0" dirty="0"/>
               <a:t>It makes sense to compute the average price but not the average ID</a:t>
             </a:r>
           </a:p>
           <a:p>
             <a:pPr lvl="1"/>
             <a:r>
-              <a:rPr lang="en-US" dirty="0"/>
+              <a:rPr lang="en-US" noProof="0" dirty="0"/>
               <a:t>The attribute type determines which operator can be applied to the attribute</a:t>
             </a:r>
           </a:p>
           <a:p>
             <a:pPr lvl="2"/>
             <a:r>
-              <a:rPr lang="en-US" dirty="0"/>
+              <a:rPr lang="en-US" noProof="0" dirty="0"/>
               <a:t>E.g., equality, sort, sum, ratio</a:t>
             </a:r>
           </a:p>
@@ -20378,7 +20372,7 @@
           <a:lstStyle/>
           <a:p>
             <a:r>
-              <a:rPr lang="en-US"/>
+              <a:rPr lang="en-US" noProof="0" dirty="0"/>
               <a:t>Data preparation</a:t>
             </a:r>
           </a:p>
@@ -20411,14 +20405,14 @@
           <a:lstStyle/>
           <a:p>
             <a:r>
-              <a:rPr lang="en-US" dirty="0"/>
+              <a:rPr lang="en-US" noProof="0" dirty="0"/>
               <a:t>Different attribute types</a:t>
             </a:r>
           </a:p>
           <a:p>
             <a:pPr lvl="1"/>
             <a:r>
-              <a:rPr lang="en-US" b="1" dirty="0">
+              <a:rPr lang="en-US" b="1" noProof="0" dirty="0">
                 <a:solidFill>
                   <a:schemeClr val="accent2"/>
                 </a:solidFill>
@@ -20426,18 +20420,18 @@
               <a:t>(Categorical) Nominal:</a:t>
             </a:r>
             <a:r>
-              <a:rPr lang="en-US" b="1" dirty="0"/>
+              <a:rPr lang="en-US" b="1" noProof="0" dirty="0"/>
               <a:t> </a:t>
             </a:r>
             <a:r>
-              <a:rPr lang="en-US" dirty="0"/>
+              <a:rPr lang="en-US" noProof="0" dirty="0"/>
               <a:t>can distinguish the values (i.e., check equality)</a:t>
             </a:r>
           </a:p>
           <a:p>
             <a:pPr lvl="1"/>
             <a:r>
-              <a:rPr lang="en-US" b="1" dirty="0">
+              <a:rPr lang="en-US" b="1" noProof="0" dirty="0">
                 <a:solidFill>
                   <a:schemeClr val="accent4"/>
                 </a:solidFill>
@@ -20445,14 +20439,14 @@
               <a:t>(Categorical) Ordinal: </a:t>
             </a:r>
             <a:r>
-              <a:rPr lang="en-US" dirty="0"/>
+              <a:rPr lang="en-US" noProof="0" dirty="0"/>
               <a:t>can distinguish and sort the values</a:t>
             </a:r>
           </a:p>
           <a:p>
             <a:pPr lvl="1"/>
             <a:r>
-              <a:rPr lang="en-US" b="1" dirty="0">
+              <a:rPr lang="en-US" b="1" noProof="0" dirty="0">
                 <a:solidFill>
                   <a:schemeClr val="accent6"/>
                 </a:solidFill>
@@ -20460,18 +20454,18 @@
               <a:t>(Numeric) Interval</a:t>
             </a:r>
             <a:r>
-              <a:rPr lang="en-US" b="1" dirty="0"/>
+              <a:rPr lang="en-US" b="1" noProof="0" dirty="0"/>
               <a:t>: </a:t>
             </a:r>
             <a:r>
-              <a:rPr lang="en-US" dirty="0"/>
+              <a:rPr lang="en-US" noProof="0" dirty="0"/>
               <a:t>can distinguish and sort the values, and compute their difference</a:t>
             </a:r>
           </a:p>
           <a:p>
             <a:pPr lvl="1"/>
             <a:r>
-              <a:rPr lang="en-US" b="1" dirty="0">
+              <a:rPr lang="en-US" b="1" noProof="0" dirty="0">
                 <a:solidFill>
                   <a:schemeClr val="accent1"/>
                 </a:solidFill>
@@ -20479,7 +20473,7 @@
               <a:t>(Numeric) Ratio: </a:t>
             </a:r>
             <a:r>
-              <a:rPr lang="en-US" dirty="0"/>
+              <a:rPr lang="en-US" noProof="0" dirty="0"/>
               <a:t>can distinguish and sort the values, and compute their difference and ratio</a:t>
             </a:r>
           </a:p>
@@ -21070,7 +21064,7 @@
           <a:lstStyle/>
           <a:p>
             <a:r>
-              <a:rPr lang="en-US"/>
+              <a:rPr lang="en-US" noProof="0" dirty="0"/>
               <a:t>Pandas</a:t>
             </a:r>
           </a:p>
@@ -21103,7 +21097,7 @@
           <a:lstStyle/>
           <a:p>
             <a:r>
-              <a:rPr lang="en-US" dirty="0">
+              <a:rPr lang="en-US" noProof="0" dirty="0">
                 <a:solidFill>
                   <a:schemeClr val="accent1"/>
                 </a:solidFill>
@@ -21111,18 +21105,18 @@
               <a:t>pandas</a:t>
             </a:r>
             <a:r>
-              <a:rPr lang="en-US" dirty="0"/>
+              <a:rPr lang="en-US" noProof="0" dirty="0"/>
               <a:t> (Python) is a solution for the manipulation of relational data</a:t>
             </a:r>
           </a:p>
           <a:p>
             <a:pPr lvl="1"/>
             <a:r>
-              <a:rPr lang="en-US" dirty="0"/>
+              <a:rPr lang="en-US" noProof="0" dirty="0"/>
               <a:t>Two main data types: </a:t>
             </a:r>
             <a:r>
-              <a:rPr lang="en-US" b="1" dirty="0">
+              <a:rPr lang="en-US" b="1" noProof="0" dirty="0">
                 <a:solidFill>
                   <a:srgbClr val="FF0000"/>
                 </a:solidFill>
@@ -21130,11 +21124,11 @@
               <a:t>Series</a:t>
             </a:r>
             <a:r>
-              <a:rPr lang="en-US" dirty="0"/>
+              <a:rPr lang="en-US" noProof="0" dirty="0"/>
               <a:t> (e.g., temporal series) and </a:t>
             </a:r>
             <a:r>
-              <a:rPr lang="en-US" b="1" dirty="0" err="1">
+              <a:rPr lang="en-US" b="1" noProof="0" dirty="0" err="1">
                 <a:solidFill>
                   <a:srgbClr val="FF0000"/>
                 </a:solidFill>
@@ -21142,18 +21136,18 @@
               <a:t>DataFrame</a:t>
             </a:r>
             <a:r>
-              <a:rPr lang="en-US" dirty="0"/>
+              <a:rPr lang="en-US" noProof="0" dirty="0"/>
               <a:t> (e.g., table)</a:t>
             </a:r>
           </a:p>
           <a:p>
             <a:pPr lvl="1"/>
             <a:r>
-              <a:rPr lang="en-US" dirty="0"/>
+              <a:rPr lang="en-US" noProof="0" dirty="0"/>
               <a:t>Support to SQL-like operations (</a:t>
             </a:r>
             <a:r>
-              <a:rPr lang="en-US" dirty="0">
+              <a:rPr lang="en-US" noProof="0" dirty="0">
                 <a:solidFill>
                   <a:schemeClr val="accent1"/>
                 </a:solidFill>
@@ -21161,18 +21155,18 @@
               <a:t>join/merge, aggregation, </a:t>
             </a:r>
             <a:r>
-              <a:rPr lang="en-US" dirty="0"/>
+              <a:rPr lang="en-US" noProof="0" dirty="0"/>
               <a:t>etc.)</a:t>
             </a:r>
           </a:p>
           <a:p>
             <a:pPr lvl="1"/>
             <a:r>
-              <a:rPr lang="en-US" dirty="0"/>
+              <a:rPr lang="en-US" noProof="0" dirty="0"/>
               <a:t>Imputation of </a:t>
             </a:r>
             <a:r>
-              <a:rPr lang="en-US" dirty="0">
+              <a:rPr lang="en-US" noProof="0" dirty="0">
                 <a:solidFill>
                   <a:schemeClr val="accent1"/>
                 </a:solidFill>
@@ -21183,11 +21177,11 @@
           <a:p>
             <a:pPr lvl="1"/>
             <a:r>
-              <a:rPr lang="en-US" dirty="0"/>
+              <a:rPr lang="en-US" noProof="0" dirty="0"/>
               <a:t>Manipulation of data </a:t>
             </a:r>
             <a:r>
-              <a:rPr lang="en-US" dirty="0">
+              <a:rPr lang="en-US" noProof="0" dirty="0">
                 <a:solidFill>
                   <a:schemeClr val="accent1"/>
                 </a:solidFill>
@@ -21198,11 +21192,11 @@
           <a:p>
             <a:pPr lvl="1"/>
             <a:r>
-              <a:rPr lang="en-US" dirty="0"/>
+              <a:rPr lang="en-US" noProof="0" dirty="0"/>
               <a:t>By convention, the package pandas is imported as “</a:t>
             </a:r>
             <a:r>
-              <a:rPr lang="en-US" dirty="0">
+              <a:rPr lang="en-US" noProof="0" dirty="0">
                 <a:solidFill>
                   <a:schemeClr val="accent1"/>
                 </a:solidFill>
@@ -21210,7 +21204,7 @@
               <a:t>pd</a:t>
             </a:r>
             <a:r>
-              <a:rPr lang="en-US" dirty="0"/>
+              <a:rPr lang="en-US" noProof="0" dirty="0"/>
               <a:t>”</a:t>
             </a:r>
           </a:p>
@@ -21219,7 +21213,7 @@
               <a:buNone/>
             </a:pPr>
             <a:r>
-              <a:rPr lang="en-US" dirty="0">
+              <a:rPr lang="en-US" noProof="0" dirty="0">
                 <a:solidFill>
                   <a:schemeClr val="accent1"/>
                 </a:solidFill>
@@ -21379,7 +21373,7 @@
           <a:lstStyle/>
           <a:p>
             <a:r>
-              <a:rPr lang="en-US"/>
+              <a:rPr lang="en-US" noProof="0" dirty="0"/>
               <a:t>Pandas</a:t>
             </a:r>
           </a:p>
@@ -21412,7 +21406,7 @@
           <a:lstStyle/>
           <a:p>
             <a:r>
-              <a:rPr lang="en-US" b="1" dirty="0">
+              <a:rPr lang="en-US" b="1" noProof="0" dirty="0">
                 <a:solidFill>
                   <a:srgbClr val="FF0000"/>
                 </a:solidFill>
@@ -21420,38 +21414,38 @@
               <a:t>A series </a:t>
             </a:r>
             <a:r>
-              <a:rPr lang="en-US" dirty="0"/>
+              <a:rPr lang="en-US" noProof="0" dirty="0"/>
               <a:t>is a sequence of values with the same type</a:t>
             </a:r>
           </a:p>
           <a:p>
             <a:pPr lvl="1"/>
             <a:r>
-              <a:rPr lang="en-US" dirty="0"/>
+              <a:rPr lang="en-US" noProof="0" dirty="0"/>
               <a:t>Each value is associate with a label</a:t>
             </a:r>
           </a:p>
           <a:p>
             <a:pPr lvl="1"/>
             <a:r>
-              <a:rPr lang="en-US" dirty="0"/>
+              <a:rPr lang="en-US" noProof="0" dirty="0"/>
               <a:t>Supported values and label types are the ones from NumPy (float64, int64, etc.)</a:t>
             </a:r>
           </a:p>
           <a:p>
             <a:pPr lvl="1"/>
             <a:r>
-              <a:rPr lang="en-US" dirty="0"/>
+              <a:rPr lang="en-US" noProof="0" dirty="0"/>
               <a:t>In other words, a series is a mono-dimensional vector of elements</a:t>
             </a:r>
           </a:p>
           <a:p>
             <a:r>
-              <a:rPr lang="en-US" dirty="0"/>
+              <a:rPr lang="en-US" noProof="0" dirty="0"/>
               <a:t>The </a:t>
             </a:r>
             <a:r>
-              <a:rPr lang="en-US" dirty="0">
+              <a:rPr lang="en-US" noProof="0" dirty="0">
                 <a:solidFill>
                   <a:schemeClr val="accent1"/>
                 </a:solidFill>
@@ -21459,28 +21453,28 @@
               <a:t>index</a:t>
             </a:r>
             <a:r>
-              <a:rPr lang="en-US" dirty="0"/>
+              <a:rPr lang="en-US" noProof="0" dirty="0"/>
               <a:t> of a series is the sequence of labels</a:t>
             </a:r>
           </a:p>
           <a:p>
             <a:pPr lvl="1"/>
             <a:r>
-              <a:rPr lang="en-US" dirty="0"/>
+              <a:rPr lang="en-US" noProof="0" dirty="0"/>
               <a:t>Label are usually numeric or string identifiers</a:t>
             </a:r>
           </a:p>
           <a:p>
             <a:pPr lvl="2"/>
             <a:r>
-              <a:rPr lang="en-US" dirty="0"/>
+              <a:rPr lang="en-US" noProof="0" dirty="0"/>
               <a:t>E.g., the primary key of a database table</a:t>
             </a:r>
           </a:p>
           <a:p>
             <a:pPr lvl="1"/>
             <a:r>
-              <a:rPr lang="en-US" dirty="0"/>
+              <a:rPr lang="en-US" noProof="0" dirty="0"/>
               <a:t>Labels could repeat within the series, but usually do not</a:t>
             </a:r>
           </a:p>
@@ -21636,7 +21630,7 @@
           <a:lstStyle/>
           <a:p>
             <a:r>
-              <a:rPr lang="en-US"/>
+              <a:rPr lang="en-US" noProof="0" dirty="0"/>
               <a:t>Pandas</a:t>
             </a:r>
           </a:p>
@@ -21669,11 +21663,11 @@
           <a:lstStyle/>
           <a:p>
             <a:r>
-              <a:rPr lang="en-US" dirty="0"/>
+              <a:rPr lang="en-US" noProof="0" dirty="0"/>
               <a:t>The </a:t>
             </a:r>
             <a:r>
-              <a:rPr lang="en-US" dirty="0">
+              <a:rPr lang="en-US" noProof="0" dirty="0">
                 <a:solidFill>
                   <a:schemeClr val="accent1"/>
                 </a:solidFill>
@@ -21681,11 +21675,11 @@
               <a:t>constructor </a:t>
             </a:r>
             <a:r>
-              <a:rPr lang="en-US" dirty="0"/>
+              <a:rPr lang="en-US" noProof="0" dirty="0"/>
               <a:t>of a Series requires </a:t>
             </a:r>
             <a:r>
-              <a:rPr lang="en-US" dirty="0">
+              <a:rPr lang="en-US" noProof="0" dirty="0">
                 <a:solidFill>
                   <a:srgbClr val="C1504D"/>
                 </a:solidFill>
@@ -21693,11 +21687,11 @@
               <a:t>value </a:t>
             </a:r>
             <a:r>
-              <a:rPr lang="en-US" dirty="0"/>
+              <a:rPr lang="en-US" noProof="0" dirty="0"/>
               <a:t>and (optionally) </a:t>
             </a:r>
             <a:r>
-              <a:rPr lang="en-US" dirty="0">
+              <a:rPr lang="en-US" noProof="0" dirty="0">
                 <a:solidFill>
                   <a:srgbClr val="92D050"/>
                 </a:solidFill>
@@ -21705,14 +21699,14 @@
               <a:t>index</a:t>
             </a:r>
             <a:r>
-              <a:rPr lang="en-US" dirty="0"/>
+              <a:rPr lang="en-US" noProof="0" dirty="0"/>
               <a:t> attributes</a:t>
             </a:r>
           </a:p>
           <a:p>
             <a:pPr lvl="1"/>
             <a:r>
-              <a:rPr lang="en-US" dirty="0">
+              <a:rPr lang="en-US" noProof="0" dirty="0">
                 <a:solidFill>
                   <a:schemeClr val="accent1"/>
                 </a:solidFill>
@@ -21720,7 +21714,7 @@
               <a:t>&gt;&gt;&gt; ser = </a:t>
             </a:r>
             <a:r>
-              <a:rPr lang="en-US" dirty="0" err="1">
+              <a:rPr lang="en-US" noProof="0" dirty="0" err="1">
                 <a:solidFill>
                   <a:schemeClr val="accent1"/>
                 </a:solidFill>
@@ -21728,7 +21722,7 @@
               <a:t>pd.Series</a:t>
             </a:r>
             <a:r>
-              <a:rPr lang="en-US" dirty="0">
+              <a:rPr lang="en-US" noProof="0" dirty="0">
                 <a:solidFill>
                   <a:schemeClr val="accent1"/>
                 </a:solidFill>
@@ -21736,7 +21730,7 @@
               <a:t>(</a:t>
             </a:r>
             <a:r>
-              <a:rPr lang="en-US" dirty="0">
+              <a:rPr lang="en-US" noProof="0" dirty="0">
                 <a:solidFill>
                   <a:srgbClr val="C1504D"/>
                 </a:solidFill>
@@ -21744,14 +21738,14 @@
               <a:t>[ 4 , 7 , -5 , 3 ], </a:t>
             </a:r>
             <a:br>
-              <a:rPr lang="en-US" dirty="0">
+              <a:rPr lang="en-US" noProof="0" dirty="0">
                 <a:solidFill>
                   <a:srgbClr val="C1504D"/>
                 </a:solidFill>
               </a:rPr>
             </a:br>
             <a:r>
-              <a:rPr lang="en-US" dirty="0">
+              <a:rPr lang="en-US" noProof="0" dirty="0">
                 <a:solidFill>
                   <a:srgbClr val="C1504D"/>
                 </a:solidFill>
@@ -21759,7 +21753,7 @@
               <a:t>		</a:t>
             </a:r>
             <a:r>
-              <a:rPr lang="en-US" dirty="0">
+              <a:rPr lang="en-US" noProof="0" dirty="0">
                 <a:solidFill>
                   <a:srgbClr val="92D050"/>
                 </a:solidFill>
@@ -21767,7 +21761,7 @@
               <a:t>... index=["d", "b", "a", "c"]</a:t>
             </a:r>
             <a:r>
-              <a:rPr lang="en-US" dirty="0">
+              <a:rPr lang="en-US" noProof="0" dirty="0">
                 <a:solidFill>
                   <a:schemeClr val="accent1"/>
                 </a:solidFill>
@@ -21778,7 +21772,7 @@
           <a:p>
             <a:pPr lvl="1"/>
             <a:r>
-              <a:rPr lang="en-US" dirty="0"/>
+              <a:rPr lang="en-US" noProof="0" dirty="0"/>
               <a:t>If unspecified,  the index is a sequence of integers ranging from 0 to N-1</a:t>
             </a:r>
           </a:p>
@@ -21963,7 +21957,7 @@
           <a:lstStyle/>
           <a:p>
             <a:r>
-              <a:rPr lang="en-US"/>
+              <a:rPr lang="en-US" noProof="0" dirty="0"/>
               <a:t>Pandas</a:t>
             </a:r>
           </a:p>
@@ -21996,31 +21990,31 @@
           <a:lstStyle/>
           <a:p>
             <a:r>
-              <a:rPr lang="en-US" dirty="0"/>
+              <a:rPr lang="en-US" noProof="0" dirty="0"/>
               <a:t>Series support binary operators</a:t>
             </a:r>
           </a:p>
           <a:p>
             <a:pPr lvl="1"/>
             <a:r>
-              <a:rPr lang="en-US" dirty="0"/>
+              <a:rPr lang="en-US" noProof="0" dirty="0"/>
               <a:t>+, -, *, etc.</a:t>
             </a:r>
           </a:p>
           <a:p>
             <a:pPr lvl="1"/>
             <a:r>
-              <a:rPr lang="en-US" dirty="0"/>
+              <a:rPr lang="en-US" noProof="0" dirty="0"/>
               <a:t>Custom functions</a:t>
             </a:r>
           </a:p>
           <a:p>
             <a:r>
-              <a:rPr lang="en-US" dirty="0"/>
+              <a:rPr lang="en-US" noProof="0" dirty="0"/>
               <a:t>Binary operators are applied to the values </a:t>
             </a:r>
             <a:r>
-              <a:rPr lang="en-US" dirty="0">
+              <a:rPr lang="en-US" noProof="0" dirty="0">
                 <a:solidFill>
                   <a:schemeClr val="accent1"/>
                 </a:solidFill>
@@ -22031,14 +22025,14 @@
           <a:p>
             <a:pPr lvl="1"/>
             <a:r>
-              <a:rPr lang="en-US" dirty="0"/>
+              <a:rPr lang="en-US" noProof="0" dirty="0"/>
               <a:t>... and by the value order</a:t>
             </a:r>
           </a:p>
           <a:p>
             <a:pPr lvl="1"/>
             <a:r>
-              <a:rPr lang="en-US" dirty="0"/>
+              <a:rPr lang="en-US" noProof="0" dirty="0"/>
               <a:t>The result will contain NA for each unmatched label (i.e., a label contained in one series but not the other)</a:t>
             </a:r>
           </a:p>
@@ -22169,7 +22163,7 @@
           <a:lstStyle/>
           <a:p>
             <a:r>
-              <a:rPr lang="en-US"/>
+              <a:rPr lang="en-US" noProof="0" dirty="0"/>
               <a:t>Attribute types</a:t>
             </a:r>
           </a:p>
@@ -22202,20 +22196,20 @@
           <a:lstStyle/>
           <a:p>
             <a:r>
-              <a:rPr lang="en-US" dirty="0"/>
+              <a:rPr lang="en-US" noProof="0" dirty="0"/>
               <a:t>Attribute type can be specified during the creation of a series</a:t>
             </a:r>
           </a:p>
           <a:p>
             <a:r>
-              <a:rPr lang="en-US" dirty="0"/>
+              <a:rPr lang="en-US" noProof="0" dirty="0"/>
               <a:t>Common data types are numeric ones</a:t>
             </a:r>
           </a:p>
           <a:p>
             <a:pPr lvl="1"/>
             <a:r>
-              <a:rPr lang="en-US" dirty="0" err="1">
+              <a:rPr lang="en-US" noProof="0" dirty="0" err="1">
                 <a:solidFill>
                   <a:schemeClr val="accent1"/>
                 </a:solidFill>
@@ -22225,7 +22219,7 @@
               <a:t>np.floatN</a:t>
             </a:r>
             <a:r>
-              <a:rPr lang="en-US" dirty="0">
+              <a:rPr lang="en-US" noProof="0" dirty="0">
                 <a:solidFill>
                   <a:schemeClr val="accent1"/>
                 </a:solidFill>
@@ -22235,7 +22229,7 @@
               <a:t> </a:t>
             </a:r>
             <a:r>
-              <a:rPr lang="en-US" dirty="0">
+              <a:rPr lang="en-US" noProof="0" dirty="0">
                 <a:latin typeface="Helvetica"/>
                 <a:cs typeface="Helvetica"/>
               </a:rPr>
@@ -22245,7 +22239,7 @@
           <a:p>
             <a:pPr lvl="1"/>
             <a:r>
-              <a:rPr lang="en-US" dirty="0" err="1">
+              <a:rPr lang="en-US" noProof="0" dirty="0" err="1">
                 <a:solidFill>
                   <a:schemeClr val="accent1"/>
                 </a:solidFill>
@@ -22253,7 +22247,7 @@
               <a:t>np.intN</a:t>
             </a:r>
             <a:r>
-              <a:rPr lang="en-US" dirty="0">
+              <a:rPr lang="en-US" noProof="0" dirty="0">
                 <a:solidFill>
                   <a:schemeClr val="accent1"/>
                 </a:solidFill>
@@ -22261,7 +22255,7 @@
               <a:t> / </a:t>
             </a:r>
             <a:r>
-              <a:rPr lang="en-US" dirty="0" err="1">
+              <a:rPr lang="en-US" noProof="0" dirty="0" err="1">
                 <a:solidFill>
                   <a:schemeClr val="accent1"/>
                 </a:solidFill>
@@ -22269,7 +22263,7 @@
               <a:t>np.uintN</a:t>
             </a:r>
             <a:r>
-              <a:rPr lang="en-US" dirty="0">
+              <a:rPr lang="en-US" noProof="0" dirty="0">
                 <a:solidFill>
                   <a:schemeClr val="accent1"/>
                 </a:solidFill>
@@ -22277,14 +22271,14 @@
               <a:t> </a:t>
             </a:r>
             <a:r>
-              <a:rPr lang="en-US" dirty="0"/>
+              <a:rPr lang="en-US" noProof="0" dirty="0"/>
               <a:t>represent integers with/without sign (-42 and 42)</a:t>
             </a:r>
           </a:p>
           <a:p>
             <a:pPr lvl="1"/>
             <a:r>
-              <a:rPr lang="en-US" dirty="0">
+              <a:rPr lang="en-US" noProof="0" dirty="0">
                 <a:solidFill>
                   <a:schemeClr val="accent1"/>
                 </a:solidFill>
@@ -22292,20 +22286,20 @@
               <a:t>N</a:t>
             </a:r>
             <a:r>
-              <a:rPr lang="en-US" dirty="0"/>
+              <a:rPr lang="en-US" noProof="0" dirty="0"/>
               <a:t> is the number of needed bits: 8, 16, 32 o 64</a:t>
             </a:r>
           </a:p>
           <a:p>
             <a:r>
-              <a:rPr lang="en-US" dirty="0"/>
+              <a:rPr lang="en-US" noProof="0" dirty="0"/>
               <a:t>Other data types</a:t>
             </a:r>
           </a:p>
           <a:p>
             <a:pPr lvl="1"/>
             <a:r>
-              <a:rPr lang="en-US" dirty="0">
+              <a:rPr lang="en-US" noProof="0" dirty="0">
                 <a:solidFill>
                   <a:schemeClr val="accent1"/>
                 </a:solidFill>
@@ -22313,14 +22307,14 @@
               <a:t>bool</a:t>
             </a:r>
             <a:r>
-              <a:rPr lang="en-US" dirty="0"/>
+              <a:rPr lang="en-US" noProof="0" dirty="0"/>
               <a:t>: Boolean values</a:t>
             </a:r>
           </a:p>
           <a:p>
             <a:pPr lvl="1"/>
             <a:r>
-              <a:rPr lang="en-US" dirty="0">
+              <a:rPr lang="en-US" noProof="0" dirty="0">
                 <a:solidFill>
                   <a:schemeClr val="accent1"/>
                 </a:solidFill>
@@ -22328,14 +22322,14 @@
               <a:t>datetime64, timedelta64</a:t>
             </a:r>
             <a:r>
-              <a:rPr lang="en-US" dirty="0"/>
+              <a:rPr lang="en-US" noProof="0" dirty="0"/>
               <a:t>: timestamp and time intervals</a:t>
             </a:r>
           </a:p>
           <a:p>
             <a:pPr lvl="1"/>
             <a:r>
-              <a:rPr lang="en-US" dirty="0">
+              <a:rPr lang="en-US" noProof="0" dirty="0">
                 <a:solidFill>
                   <a:schemeClr val="accent1"/>
                 </a:solidFill>
@@ -22343,13 +22337,13 @@
               <a:t>object</a:t>
             </a:r>
             <a:r>
-              <a:rPr lang="en-US" dirty="0"/>
+              <a:rPr lang="en-US" noProof="0" dirty="0"/>
               <a:t>: mainly used for strings</a:t>
             </a:r>
           </a:p>
           <a:p>
             <a:r>
-              <a:rPr lang="en-US" dirty="0"/>
+              <a:rPr lang="en-US" noProof="0" dirty="0"/>
               <a:t>Why is data type important?</a:t>
             </a:r>
           </a:p>
@@ -22480,10 +22474,9 @@
           <a:lstStyle/>
           <a:p>
             <a:r>
-              <a:rPr lang="it-IT"/>
+              <a:rPr lang="en-US" noProof="0" dirty="0"/>
               <a:t>Python</a:t>
             </a:r>
-            <a:endParaRPr lang="en-US" dirty="0"/>
           </a:p>
         </p:txBody>
       </p:sp>
@@ -22514,71 +22507,71 @@
           <a:lstStyle/>
           <a:p>
             <a:r>
-              <a:rPr lang="en-US" dirty="0"/>
+              <a:rPr lang="en-US" noProof="0" dirty="0"/>
               <a:t>Cross-platform interpreted language</a:t>
             </a:r>
           </a:p>
           <a:p>
             <a:pPr lvl="1"/>
             <a:r>
-              <a:rPr lang="en-US" dirty="0"/>
+              <a:rPr lang="en-US" noProof="0" dirty="0"/>
               <a:t>Available on the main OS (Linux, Mac, Windows, etc.)</a:t>
             </a:r>
           </a:p>
           <a:p>
             <a:pPr lvl="1"/>
             <a:r>
-              <a:rPr lang="en-US" dirty="0" err="1"/>
+              <a:rPr lang="en-US" noProof="0" dirty="0" err="1"/>
               <a:t>CPython</a:t>
             </a:r>
             <a:r>
-              <a:rPr lang="en-US" dirty="0"/>
+              <a:rPr lang="en-US" noProof="0" dirty="0"/>
               <a:t> is the reference implementation plus other alternatives</a:t>
             </a:r>
           </a:p>
           <a:p>
             <a:pPr lvl="1"/>
             <a:r>
-              <a:rPr lang="en-US" dirty="0"/>
+              <a:rPr lang="en-US" noProof="0" dirty="0"/>
               <a:t>Can be integrated into other languages (C, C++, Java, etc.)</a:t>
             </a:r>
           </a:p>
           <a:p>
             <a:r>
-              <a:rPr lang="en-US" dirty="0"/>
+              <a:rPr lang="en-US" noProof="0" dirty="0"/>
               <a:t>Created in the late 80s, became popular in the 2000s</a:t>
             </a:r>
           </a:p>
           <a:p>
             <a:r>
-              <a:rPr lang="en-US" dirty="0"/>
+              <a:rPr lang="en-US" noProof="0" dirty="0"/>
               <a:t>Multi-paradigm</a:t>
             </a:r>
           </a:p>
           <a:p>
             <a:pPr lvl="1"/>
             <a:r>
-              <a:rPr lang="en-US" dirty="0"/>
+              <a:rPr lang="en-US" noProof="0" dirty="0"/>
               <a:t>Imperative, object-oriented</a:t>
             </a:r>
           </a:p>
           <a:p>
             <a:pPr lvl="1"/>
             <a:r>
-              <a:rPr lang="en-US" dirty="0"/>
+              <a:rPr lang="en-US" noProof="0" dirty="0"/>
               <a:t>Syntax can be easily extended</a:t>
             </a:r>
           </a:p>
           <a:p>
             <a:r>
-              <a:rPr lang="en-US" dirty="0"/>
+              <a:rPr lang="en-US" noProof="0" dirty="0"/>
               <a:t>Emphasis on the on ease of reading and writing</a:t>
             </a:r>
           </a:p>
           <a:p>
             <a:pPr lvl="1"/>
             <a:r>
-              <a:rPr lang="en-US" dirty="0"/>
+              <a:rPr lang="en-US" noProof="0" dirty="0"/>
               <a:t>“there should be one—and preferably only one—obvious way to do it”</a:t>
             </a:r>
           </a:p>
@@ -22732,7 +22725,7 @@
           <a:lstStyle/>
           <a:p>
             <a:r>
-              <a:rPr lang="en-US" dirty="0"/>
+              <a:rPr lang="en-US" noProof="0" dirty="0"/>
               <a:t>Why is data type important?</a:t>
             </a:r>
           </a:p>
@@ -22751,7 +22744,7 @@
             <a:picLocks noGrp="1" noChangeAspect="1"/>
           </p:cNvPicPr>
           <p:nvPr>
-            <p:ph idx="1"/>
+            <p:ph sz="half" idx="1"/>
           </p:nvPr>
         </p:nvPicPr>
         <p:blipFill>
@@ -22762,11 +22755,84 @@
         </p:blipFill>
         <p:spPr>
           <a:xfrm>
-            <a:off x="3374838" y="1700213"/>
-            <a:ext cx="5442324" cy="4351337"/>
+            <a:off x="838200" y="1929855"/>
+            <a:ext cx="5181600" cy="4142878"/>
           </a:xfrm>
         </p:spPr>
       </p:pic>
+      <p:sp>
+        <p:nvSpPr>
+          <p:cNvPr id="8" name="Content Placeholder 7">
+            <a:extLst>
+              <a:ext uri="{FF2B5EF4-FFF2-40B4-BE49-F238E27FC236}">
+                <a16:creationId xmlns:a16="http://schemas.microsoft.com/office/drawing/2014/main" id="{0B21AD72-66B6-4187-8821-F642828645FC}"/>
+              </a:ext>
+            </a:extLst>
+          </p:cNvPr>
+          <p:cNvSpPr>
+            <a:spLocks noGrp="1"/>
+          </p:cNvSpPr>
+          <p:nvPr>
+            <p:ph sz="half" idx="2"/>
+          </p:nvPr>
+        </p:nvSpPr>
+        <p:spPr/>
+        <p:txBody>
+          <a:bodyPr/>
+          <a:lstStyle/>
+          <a:p>
+            <a:r>
+              <a:rPr lang="en-US" noProof="0" dirty="0"/>
+              <a:t>A signed integer is a 32-bit datum that encodes an integer in the range </a:t>
+            </a:r>
+          </a:p>
+          <a:p>
+            <a:r>
+              <a:rPr lang="en-US" noProof="0" dirty="0"/>
+              <a:t>[-2</a:t>
+            </a:r>
+            <a:r>
+              <a:rPr lang="en-US" baseline="30000" noProof="0" dirty="0"/>
+              <a:t>31</a:t>
+            </a:r>
+            <a:r>
+              <a:rPr lang="en-US" noProof="0" dirty="0"/>
+              <a:t>, 2</a:t>
+            </a:r>
+            <a:r>
+              <a:rPr lang="en-US" baseline="30000" noProof="0" dirty="0"/>
+              <a:t>31</a:t>
+            </a:r>
+            <a:r>
+              <a:rPr lang="en-US" noProof="0" dirty="0"/>
+              <a:t>-1] = </a:t>
+            </a:r>
+          </a:p>
+          <a:p>
+            <a:r>
+              <a:rPr lang="en-US" b="1" noProof="0" dirty="0"/>
+              <a:t>[-2147483648 to 2147483647</a:t>
+            </a:r>
+            <a:r>
+              <a:rPr lang="en-US" noProof="0" dirty="0"/>
+              <a:t>]</a:t>
+            </a:r>
+          </a:p>
+          <a:p>
+            <a:endParaRPr lang="en-US" noProof="0" dirty="0">
+              <a:latin typeface="Consolas" panose="020B0609020204030204" pitchFamily="49" charset="0"/>
+            </a:endParaRPr>
+          </a:p>
+          <a:p>
+            <a:r>
+              <a:rPr lang="en-US" noProof="0" dirty="0">
+                <a:latin typeface="Consolas" panose="020B0609020204030204" pitchFamily="49" charset="0"/>
+              </a:rPr>
+              <a:t>2201010001 &gt; 2147483647</a:t>
+            </a:r>
+          </a:p>
+        </p:txBody>
+      </p:sp>
       <p:sp>
         <p:nvSpPr>
           <p:cNvPr id="4" name="Footer Placeholder 3">
@@ -22828,10 +22894,10 @@
       </p:sp>
       <p:sp>
         <p:nvSpPr>
-          <p:cNvPr id="8" name="Content Placeholder 7">
+          <p:cNvPr id="2" name="Content Placeholder 1">
             <a:extLst>
               <a:ext uri="{FF2B5EF4-FFF2-40B4-BE49-F238E27FC236}">
-                <a16:creationId xmlns:a16="http://schemas.microsoft.com/office/drawing/2014/main" id="{0B21AD72-66B6-4187-8821-F642828645FC}"/>
+                <a16:creationId xmlns:a16="http://schemas.microsoft.com/office/drawing/2014/main" id="{75E2F43D-6C82-C83F-B8D8-1E2085CB331B}"/>
               </a:ext>
             </a:extLst>
           </p:cNvPr>
@@ -22848,9 +22914,12 @@
           <a:lstStyle/>
           <a:p>
             <a:r>
-              <a:rPr lang="en-US" dirty="0"/>
+              <a:rPr lang="en-US" noProof="0" dirty="0">
+                <a:hlinkClick r:id="rId3"/>
+              </a:rPr>
               <a:t>https://www.bleepingcomputer.com/news/microsoft/microsoft-releases-emergency-fix-for-exchange-year-2022-bug/</a:t>
             </a:r>
+            <a:endParaRPr lang="en-US" noProof="0" dirty="0"/>
           </a:p>
         </p:txBody>
       </p:sp>
@@ -22911,7 +22980,7 @@
           <a:lstStyle/>
           <a:p>
             <a:r>
-              <a:rPr lang="en-US" dirty="0"/>
+              <a:rPr lang="en-US" noProof="0" dirty="0"/>
               <a:t>Missing values</a:t>
             </a:r>
           </a:p>
@@ -22944,24 +23013,24 @@
           <a:lstStyle/>
           <a:p>
             <a:r>
-              <a:rPr lang="en-US" dirty="0"/>
+              <a:rPr lang="en-US" noProof="0" dirty="0"/>
               <a:t>Datasets often show missing values</a:t>
             </a:r>
           </a:p>
           <a:p>
             <a:pPr lvl="1"/>
             <a:r>
-              <a:rPr lang="en-US" dirty="0"/>
+              <a:rPr lang="en-US" noProof="0" dirty="0"/>
               <a:t>E.g., they are not applicable (e.g., date of death) or unknown</a:t>
             </a:r>
           </a:p>
           <a:p>
             <a:r>
-              <a:rPr lang="en-US" dirty="0"/>
+              <a:rPr lang="en-US" noProof="0" dirty="0"/>
               <a:t>A series can have missing values, referred to as </a:t>
             </a:r>
             <a:r>
-              <a:rPr lang="en-US" dirty="0">
+              <a:rPr lang="en-US" noProof="0" dirty="0">
                 <a:solidFill>
                   <a:schemeClr val="accent1"/>
                 </a:solidFill>
@@ -22969,22 +23038,22 @@
               <a:t>NA</a:t>
             </a:r>
             <a:r>
-              <a:rPr lang="en-US" dirty="0"/>
+              <a:rPr lang="en-US" noProof="0" dirty="0"/>
               <a:t> (Not Available)</a:t>
             </a:r>
           </a:p>
           <a:p>
             <a:pPr lvl="1"/>
             <a:r>
-              <a:rPr lang="en-US" dirty="0"/>
+              <a:rPr lang="en-US" noProof="0" dirty="0"/>
               <a:t>Numeric attributes: NA is </a:t>
             </a:r>
             <a:r>
-              <a:rPr lang="en-US" dirty="0" err="1"/>
+              <a:rPr lang="en-US" noProof="0" dirty="0" err="1"/>
               <a:t>np.</a:t>
             </a:r>
             <a:r>
-              <a:rPr lang="en-US" dirty="0" err="1">
+              <a:rPr lang="en-US" noProof="0" dirty="0" err="1">
                 <a:solidFill>
                   <a:schemeClr val="accent1"/>
                 </a:solidFill>
@@ -22992,7 +23061,7 @@
               <a:t>nan</a:t>
             </a:r>
             <a:r>
-              <a:rPr lang="en-US" dirty="0">
+              <a:rPr lang="en-US" noProof="0" dirty="0">
                 <a:solidFill>
                   <a:schemeClr val="accent1"/>
                 </a:solidFill>
@@ -23000,14 +23069,14 @@
               <a:t> </a:t>
             </a:r>
             <a:r>
-              <a:rPr lang="en-US" dirty="0"/>
+              <a:rPr lang="en-US" noProof="0" dirty="0"/>
               <a:t>(Not a Number)</a:t>
             </a:r>
           </a:p>
           <a:p>
             <a:pPr lvl="1"/>
             <a:r>
-              <a:rPr lang="en-US" dirty="0">
+              <a:rPr lang="en-US" noProof="0" dirty="0">
                 <a:solidFill>
                   <a:schemeClr val="accent1"/>
                 </a:solidFill>
@@ -23015,7 +23084,7 @@
               <a:t>nan</a:t>
             </a:r>
             <a:r>
-              <a:rPr lang="en-US" dirty="0"/>
+              <a:rPr lang="en-US" noProof="0" dirty="0"/>
               <a:t> is never equal, greater, or lower than other values (nor itself)</a:t>
             </a:r>
           </a:p>
@@ -23024,7 +23093,7 @@
               <a:buNone/>
             </a:pPr>
             <a:r>
-              <a:rPr lang="en-US" dirty="0">
+              <a:rPr lang="en-US" noProof="0" dirty="0">
                 <a:solidFill>
                   <a:schemeClr val="accent1"/>
                 </a:solidFill>
@@ -23032,7 +23101,7 @@
               <a:t>&gt;&gt;&gt; </a:t>
             </a:r>
             <a:r>
-              <a:rPr lang="en-US" dirty="0" err="1">
+              <a:rPr lang="en-US" noProof="0" dirty="0" err="1">
                 <a:solidFill>
                   <a:schemeClr val="accent1"/>
                 </a:solidFill>
@@ -23040,7 +23109,7 @@
               <a:t>np.nan</a:t>
             </a:r>
             <a:r>
-              <a:rPr lang="en-US" dirty="0">
+              <a:rPr lang="en-US" noProof="0" dirty="0">
                 <a:solidFill>
                   <a:schemeClr val="accent1"/>
                 </a:solidFill>
@@ -23048,14 +23117,14 @@
               <a:t> == </a:t>
             </a:r>
             <a:r>
-              <a:rPr lang="en-US" dirty="0" err="1">
+              <a:rPr lang="en-US" noProof="0" dirty="0" err="1">
                 <a:solidFill>
                   <a:schemeClr val="accent1"/>
                 </a:solidFill>
               </a:rPr>
               <a:t>np.nan</a:t>
             </a:r>
-            <a:endParaRPr lang="en-US" dirty="0">
+            <a:endParaRPr lang="en-US" noProof="0" dirty="0">
               <a:solidFill>
                 <a:schemeClr val="accent1"/>
               </a:solidFill>
@@ -23066,7 +23135,7 @@
               <a:buNone/>
             </a:pPr>
             <a:r>
-              <a:rPr lang="en-US" dirty="0">
+              <a:rPr lang="en-US" noProof="0" dirty="0">
                 <a:solidFill>
                   <a:schemeClr val="accent1"/>
                 </a:solidFill>
@@ -23077,11 +23146,11 @@
           <a:p>
             <a:pPr lvl="1"/>
             <a:r>
-              <a:rPr lang="en-US" dirty="0"/>
+              <a:rPr lang="en-US" noProof="0" dirty="0"/>
               <a:t>Numeric expressions with </a:t>
             </a:r>
             <a:r>
-              <a:rPr lang="en-US" dirty="0">
+              <a:rPr lang="en-US" noProof="0" dirty="0">
                 <a:solidFill>
                   <a:schemeClr val="accent1"/>
                 </a:solidFill>
@@ -23089,11 +23158,11 @@
               <a:t>nan</a:t>
             </a:r>
             <a:r>
-              <a:rPr lang="en-US" dirty="0"/>
+              <a:rPr lang="en-US" noProof="0" dirty="0"/>
               <a:t> return </a:t>
             </a:r>
             <a:r>
-              <a:rPr lang="en-US" dirty="0">
+              <a:rPr lang="en-US" noProof="0" dirty="0">
                 <a:solidFill>
                   <a:schemeClr val="accent1"/>
                 </a:solidFill>
@@ -23106,7 +23175,7 @@
               <a:buNone/>
             </a:pPr>
             <a:r>
-              <a:rPr lang="en-US" dirty="0">
+              <a:rPr lang="en-US" noProof="0" dirty="0">
                 <a:solidFill>
                   <a:schemeClr val="accent1"/>
                 </a:solidFill>
@@ -23114,7 +23183,7 @@
               <a:t>&gt;&gt;&gt; 2 * </a:t>
             </a:r>
             <a:r>
-              <a:rPr lang="en-US" dirty="0" err="1">
+              <a:rPr lang="en-US" noProof="0" dirty="0" err="1">
                 <a:solidFill>
                   <a:schemeClr val="accent1"/>
                 </a:solidFill>
@@ -23122,7 +23191,7 @@
               <a:t>np.nan</a:t>
             </a:r>
             <a:r>
-              <a:rPr lang="en-US" dirty="0">
+              <a:rPr lang="en-US" noProof="0" dirty="0">
                 <a:solidFill>
                   <a:schemeClr val="accent1"/>
                 </a:solidFill>
@@ -23135,7 +23204,7 @@
               <a:buNone/>
             </a:pPr>
             <a:r>
-              <a:rPr lang="en-US" dirty="0">
+              <a:rPr lang="en-US" noProof="0" dirty="0">
                 <a:solidFill>
                   <a:schemeClr val="accent1"/>
                 </a:solidFill>
@@ -23146,7 +23215,7 @@
           <a:p>
             <a:pPr indent="-285750"/>
             <a:r>
-              <a:rPr lang="en-US" dirty="0"/>
+              <a:rPr lang="en-US" noProof="0" dirty="0"/>
               <a:t>Which problems arise?</a:t>
             </a:r>
           </a:p>
@@ -23277,7 +23346,7 @@
           <a:lstStyle/>
           <a:p>
             <a:r>
-              <a:rPr lang="en-US"/>
+              <a:rPr lang="en-US" noProof="0" dirty="0"/>
               <a:t>Missing values</a:t>
             </a:r>
           </a:p>
@@ -23311,7 +23380,7 @@
           <a:p>
             <a:pPr lvl="1"/>
             <a:r>
-              <a:rPr lang="en-US">
+              <a:rPr lang="en-US" noProof="0" dirty="0" err="1">
                 <a:solidFill>
                   <a:schemeClr val="accent1"/>
                 </a:solidFill>
@@ -23319,11 +23388,11 @@
               <a:t>isna</a:t>
             </a:r>
             <a:r>
-              <a:rPr lang="en-US"/>
+              <a:rPr lang="en-US" noProof="0" dirty="0"/>
               <a:t> and </a:t>
             </a:r>
             <a:r>
-              <a:rPr lang="en-US">
+              <a:rPr lang="en-US" noProof="0" dirty="0" err="1">
                 <a:solidFill>
                   <a:schemeClr val="accent1"/>
                 </a:solidFill>
@@ -23331,14 +23400,14 @@
               <a:t>notna</a:t>
             </a:r>
             <a:r>
-              <a:rPr lang="en-US"/>
+              <a:rPr lang="en-US" noProof="0" dirty="0"/>
               <a:t> verify (not) missing values and return a Boolean series</a:t>
             </a:r>
           </a:p>
           <a:p>
             <a:pPr lvl="1"/>
             <a:r>
-              <a:rPr lang="en-US">
+              <a:rPr lang="en-US" noProof="0" dirty="0" err="1">
                 <a:solidFill>
                   <a:schemeClr val="accent1"/>
                 </a:solidFill>
@@ -23346,32 +23415,40 @@
               <a:t>dropna</a:t>
             </a:r>
             <a:r>
-              <a:rPr lang="en-US"/>
+              <a:rPr lang="en-US" noProof="0" dirty="0"/>
               <a:t> removes missing values</a:t>
             </a:r>
           </a:p>
           <a:p>
             <a:pPr lvl="2"/>
             <a:r>
-              <a:rPr lang="en-US"/>
+              <a:rPr lang="en-US" noProof="0" dirty="0"/>
               <a:t>Return a new series by default</a:t>
             </a:r>
           </a:p>
           <a:p>
             <a:pPr lvl="2"/>
             <a:r>
-              <a:rPr lang="en-US"/>
+              <a:rPr lang="en-US" noProof="0" dirty="0"/>
               <a:t>Modify the same series if </a:t>
             </a:r>
             <a:r>
-              <a:rPr lang="en-US">
+              <a:rPr lang="en-US" noProof="0" dirty="0" err="1">
                 <a:solidFill>
                   <a:schemeClr val="accent1"/>
                 </a:solidFill>
               </a:rPr>
-              <a:t>inplace=True</a:t>
-            </a:r>
-            <a:endParaRPr lang="en-US"/>
+              <a:t>inplace</a:t>
+            </a:r>
+            <a:r>
+              <a:rPr lang="en-US" noProof="0" dirty="0">
+                <a:solidFill>
+                  <a:schemeClr val="accent1"/>
+                </a:solidFill>
+              </a:rPr>
+              <a:t>=True</a:t>
+            </a:r>
+            <a:endParaRPr lang="en-US" noProof="0" dirty="0"/>
           </a:p>
         </p:txBody>
       </p:sp>
@@ -23554,7 +23631,7 @@
           <a:lstStyle/>
           <a:p>
             <a:r>
-              <a:rPr lang="en-US"/>
+              <a:rPr lang="en-US" noProof="0" dirty="0"/>
               <a:t>Missing values</a:t>
             </a:r>
           </a:p>
@@ -23587,7 +23664,7 @@
           <a:lstStyle/>
           <a:p>
             <a:r>
-              <a:rPr lang="en-US" dirty="0" err="1">
+              <a:rPr lang="en-US" noProof="0" dirty="0" err="1">
                 <a:solidFill>
                   <a:schemeClr val="accent1"/>
                 </a:solidFill>
@@ -23595,18 +23672,18 @@
               <a:t>fillna</a:t>
             </a:r>
             <a:r>
-              <a:rPr lang="en-US" dirty="0"/>
+              <a:rPr lang="en-US" noProof="0" dirty="0"/>
               <a:t> replaces NA values</a:t>
             </a:r>
           </a:p>
           <a:p>
             <a:pPr lvl="1"/>
             <a:r>
-              <a:rPr lang="en-US" dirty="0"/>
+              <a:rPr lang="en-US" noProof="0" dirty="0"/>
               <a:t>Return a new series or modify the given one if </a:t>
             </a:r>
             <a:r>
-              <a:rPr lang="en-US" dirty="0" err="1">
+              <a:rPr lang="en-US" noProof="0" dirty="0" err="1">
                 <a:solidFill>
                   <a:schemeClr val="accent1"/>
                 </a:solidFill>
@@ -23614,7 +23691,7 @@
               <a:t>inplace</a:t>
             </a:r>
             <a:r>
-              <a:rPr lang="en-US" dirty="0">
+              <a:rPr lang="en-US" noProof="0" dirty="0">
                 <a:solidFill>
                   <a:schemeClr val="accent1"/>
                 </a:solidFill>
@@ -23625,14 +23702,14 @@
           <a:p>
             <a:pPr lvl="1"/>
             <a:r>
-              <a:rPr lang="en-US" dirty="0"/>
+              <a:rPr lang="en-US" noProof="0" dirty="0"/>
               <a:t>All NA are replaced by the same value</a:t>
             </a:r>
           </a:p>
           <a:p>
             <a:pPr lvl="2"/>
             <a:r>
-              <a:rPr lang="en-US" dirty="0">
+              <a:rPr lang="en-US" noProof="0" dirty="0">
                 <a:solidFill>
                   <a:srgbClr val="7030A0"/>
                 </a:solidFill>
@@ -23643,11 +23720,11 @@
           <a:p>
             <a:pPr lvl="1"/>
             <a:r>
-              <a:rPr lang="en-US" dirty="0"/>
+              <a:rPr lang="en-US" noProof="0" dirty="0"/>
               <a:t>If the attribute </a:t>
             </a:r>
             <a:r>
-              <a:rPr lang="en-US" dirty="0">
+              <a:rPr lang="en-US" noProof="0" dirty="0">
                 <a:solidFill>
                   <a:schemeClr val="accent1"/>
                 </a:solidFill>
@@ -23655,11 +23732,11 @@
               <a:t>method</a:t>
             </a:r>
             <a:r>
-              <a:rPr lang="en-US" dirty="0"/>
+              <a:rPr lang="en-US" noProof="0" dirty="0"/>
               <a:t> is set to </a:t>
             </a:r>
             <a:r>
-              <a:rPr lang="en-US" dirty="0" err="1">
+              <a:rPr lang="en-US" noProof="0" dirty="0" err="1">
                 <a:solidFill>
                   <a:schemeClr val="accent1"/>
                 </a:solidFill>
@@ -23667,11 +23744,11 @@
               <a:t>ffill</a:t>
             </a:r>
             <a:r>
-              <a:rPr lang="en-US" dirty="0"/>
+              <a:rPr lang="en-US" noProof="0" dirty="0"/>
               <a:t> or </a:t>
             </a:r>
             <a:r>
-              <a:rPr lang="en-US" dirty="0" err="1">
+              <a:rPr lang="en-US" noProof="0" dirty="0" err="1">
                 <a:solidFill>
                   <a:schemeClr val="accent1"/>
                 </a:solidFill>
@@ -23679,7 +23756,7 @@
               <a:t>bfill</a:t>
             </a:r>
             <a:r>
-              <a:rPr lang="en-US" dirty="0">
+              <a:rPr lang="en-US" noProof="0" dirty="0">
                 <a:solidFill>
                   <a:schemeClr val="accent1"/>
                 </a:solidFill>
@@ -23687,11 +23764,11 @@
               <a:t>,</a:t>
             </a:r>
             <a:r>
-              <a:rPr lang="en-US" dirty="0"/>
+              <a:rPr lang="en-US" noProof="0" dirty="0"/>
               <a:t> each </a:t>
             </a:r>
             <a:r>
-              <a:rPr lang="en-US" dirty="0">
+              <a:rPr lang="en-US" noProof="0" dirty="0">
                 <a:solidFill>
                   <a:schemeClr val="accent1"/>
                 </a:solidFill>
@@ -23699,11 +23776,11 @@
               <a:t>NA</a:t>
             </a:r>
             <a:r>
-              <a:rPr lang="en-US" dirty="0"/>
+              <a:rPr lang="en-US" noProof="0" dirty="0"/>
               <a:t> is replaced by the first preceding/posterior not </a:t>
             </a:r>
             <a:r>
-              <a:rPr lang="en-US" dirty="0">
+              <a:rPr lang="en-US" noProof="0" dirty="0">
                 <a:solidFill>
                   <a:schemeClr val="accent1"/>
                 </a:solidFill>
@@ -23711,14 +23788,14 @@
               <a:t>NA</a:t>
             </a:r>
             <a:r>
-              <a:rPr lang="en-US" dirty="0"/>
+              <a:rPr lang="en-US" noProof="0" dirty="0"/>
               <a:t> value (if any)</a:t>
             </a:r>
           </a:p>
           <a:p>
             <a:pPr lvl="2"/>
             <a:r>
-              <a:rPr lang="en-US" dirty="0"/>
+              <a:rPr lang="en-US" noProof="0" dirty="0"/>
               <a:t>Useful for temporal series</a:t>
             </a:r>
           </a:p>
@@ -23903,7 +23980,7 @@
           <a:lstStyle/>
           <a:p>
             <a:r>
-              <a:rPr lang="en-US"/>
+              <a:rPr lang="en-US" noProof="0" dirty="0"/>
               <a:t>Aggregation</a:t>
             </a:r>
           </a:p>
@@ -23936,14 +24013,14 @@
           <a:lstStyle/>
           <a:p>
             <a:r>
-              <a:rPr lang="en-US" dirty="0"/>
+              <a:rPr lang="en-US" noProof="0" dirty="0"/>
               <a:t>Series of methods to compute aggregated statistics</a:t>
             </a:r>
           </a:p>
           <a:p>
             <a:pPr lvl="1"/>
             <a:r>
-              <a:rPr lang="en-US" dirty="0">
+              <a:rPr lang="en-US" noProof="0" dirty="0">
                 <a:solidFill>
                   <a:schemeClr val="accent1"/>
                 </a:solidFill>
@@ -23951,11 +24028,11 @@
               <a:t>sum</a:t>
             </a:r>
             <a:r>
-              <a:rPr lang="en-US" dirty="0"/>
+              <a:rPr lang="en-US" noProof="0" dirty="0"/>
               <a:t>, </a:t>
             </a:r>
             <a:r>
-              <a:rPr lang="en-US" dirty="0">
+              <a:rPr lang="en-US" noProof="0" dirty="0">
                 <a:solidFill>
                   <a:schemeClr val="accent1"/>
                 </a:solidFill>
@@ -23963,11 +24040,11 @@
               <a:t>mean</a:t>
             </a:r>
             <a:r>
-              <a:rPr lang="en-US" dirty="0"/>
+              <a:rPr lang="en-US" noProof="0" dirty="0"/>
               <a:t>, </a:t>
             </a:r>
             <a:r>
-              <a:rPr lang="en-US" dirty="0">
+              <a:rPr lang="en-US" noProof="0" dirty="0">
                 <a:solidFill>
                   <a:schemeClr val="accent1"/>
                 </a:solidFill>
@@ -23975,11 +24052,11 @@
               <a:t>min</a:t>
             </a:r>
             <a:r>
-              <a:rPr lang="en-US" dirty="0"/>
+              <a:rPr lang="en-US" noProof="0" dirty="0"/>
               <a:t>, </a:t>
             </a:r>
             <a:r>
-              <a:rPr lang="en-US" dirty="0">
+              <a:rPr lang="en-US" noProof="0" dirty="0">
                 <a:solidFill>
                   <a:schemeClr val="accent1"/>
                 </a:solidFill>
@@ -23987,23 +24064,23 @@
               <a:t>max</a:t>
             </a:r>
             <a:r>
-              <a:rPr lang="en-US" dirty="0"/>
+              <a:rPr lang="en-US" noProof="0" dirty="0"/>
               <a:t>, </a:t>
             </a:r>
             <a:r>
-              <a:rPr lang="en-US" dirty="0">
+              <a:rPr lang="en-US" noProof="0" dirty="0">
                 <a:solidFill>
                   <a:schemeClr val="accent1"/>
                 </a:solidFill>
               </a:rPr>
               <a:t>count</a:t>
             </a:r>
-            <a:endParaRPr lang="en-US" dirty="0"/>
+            <a:endParaRPr lang="en-US" noProof="0" dirty="0"/>
           </a:p>
           <a:p>
             <a:pPr lvl="1"/>
             <a:r>
-              <a:rPr lang="en-US" dirty="0"/>
+              <a:rPr lang="en-US" noProof="0" dirty="0"/>
               <a:t>NA values are ignored by default</a:t>
             </a:r>
           </a:p>
@@ -24012,7 +24089,7 @@
               <a:buNone/>
             </a:pPr>
             <a:r>
-              <a:rPr lang="en-US" dirty="0">
+              <a:rPr lang="en-US" noProof="0" dirty="0">
                 <a:solidFill>
                   <a:schemeClr val="accent1"/>
                 </a:solidFill>
@@ -24020,7 +24097,7 @@
               <a:t>	&gt;&gt;&gt; </a:t>
             </a:r>
             <a:r>
-              <a:rPr lang="en-US" dirty="0" err="1">
+              <a:rPr lang="en-US" noProof="0" dirty="0" err="1">
                 <a:solidFill>
                   <a:schemeClr val="accent1"/>
                 </a:solidFill>
@@ -24028,7 +24105,7 @@
               <a:t>pd.Series</a:t>
             </a:r>
             <a:r>
-              <a:rPr lang="en-US" dirty="0">
+              <a:rPr lang="en-US" noProof="0" dirty="0">
                 <a:solidFill>
                   <a:schemeClr val="accent1"/>
                 </a:solidFill>
@@ -24036,7 +24113,7 @@
               <a:t>([2, </a:t>
             </a:r>
             <a:r>
-              <a:rPr lang="en-US" dirty="0" err="1">
+              <a:rPr lang="en-US" noProof="0" dirty="0" err="1">
                 <a:solidFill>
                   <a:schemeClr val="accent1"/>
                 </a:solidFill>
@@ -24044,7 +24121,7 @@
               <a:t>np.nan</a:t>
             </a:r>
             <a:r>
-              <a:rPr lang="en-US" dirty="0">
+              <a:rPr lang="en-US" noProof="0" dirty="0">
                 <a:solidFill>
                   <a:schemeClr val="accent1"/>
                 </a:solidFill>
@@ -24057,7 +24134,7 @@
               <a:buNone/>
             </a:pPr>
             <a:r>
-              <a:rPr lang="en-US" dirty="0">
+              <a:rPr lang="en-US" noProof="0" dirty="0">
                 <a:solidFill>
                   <a:schemeClr val="accent1"/>
                 </a:solidFill>
@@ -24067,11 +24144,11 @@
           </a:p>
           <a:p>
             <a:r>
-              <a:rPr lang="en-US" dirty="0"/>
+              <a:rPr lang="en-US" noProof="0" dirty="0"/>
               <a:t>If </a:t>
             </a:r>
             <a:r>
-              <a:rPr lang="en-US" dirty="0" err="1">
+              <a:rPr lang="en-US" noProof="0" dirty="0" err="1">
                 <a:solidFill>
                   <a:schemeClr val="accent1"/>
                 </a:solidFill>
@@ -24079,7 +24156,7 @@
               <a:t>skipna</a:t>
             </a:r>
             <a:r>
-              <a:rPr lang="en-US" dirty="0">
+              <a:rPr lang="en-US" noProof="0" dirty="0">
                 <a:solidFill>
                   <a:schemeClr val="accent1"/>
                 </a:solidFill>
@@ -24087,7 +24164,7 @@
               <a:t>=False, </a:t>
             </a:r>
             <a:r>
-              <a:rPr lang="en-US" dirty="0"/>
+              <a:rPr lang="en-US" noProof="0" dirty="0"/>
               <a:t>NA values invalidate the statistics</a:t>
             </a:r>
           </a:p>
@@ -24096,7 +24173,7 @@
               <a:buNone/>
             </a:pPr>
             <a:r>
-              <a:rPr lang="en-US" dirty="0">
+              <a:rPr lang="en-US" noProof="0" dirty="0">
                 <a:solidFill>
                   <a:schemeClr val="accent1"/>
                 </a:solidFill>
@@ -24104,7 +24181,7 @@
               <a:t>&gt;&gt;&gt; </a:t>
             </a:r>
             <a:r>
-              <a:rPr lang="en-US" dirty="0" err="1">
+              <a:rPr lang="en-US" noProof="0" dirty="0" err="1">
                 <a:solidFill>
                   <a:schemeClr val="accent1"/>
                 </a:solidFill>
@@ -24112,7 +24189,7 @@
               <a:t>pd.Series</a:t>
             </a:r>
             <a:r>
-              <a:rPr lang="en-US" dirty="0">
+              <a:rPr lang="en-US" noProof="0" dirty="0">
                 <a:solidFill>
                   <a:schemeClr val="accent1"/>
                 </a:solidFill>
@@ -24120,7 +24197,7 @@
               <a:t>([2, </a:t>
             </a:r>
             <a:r>
-              <a:rPr lang="en-US" dirty="0" err="1">
+              <a:rPr lang="en-US" noProof="0" dirty="0" err="1">
                 <a:solidFill>
                   <a:schemeClr val="accent1"/>
                 </a:solidFill>
@@ -24128,7 +24205,7 @@
               <a:t>np.nan</a:t>
             </a:r>
             <a:r>
-              <a:rPr lang="en-US" dirty="0">
+              <a:rPr lang="en-US" noProof="0" dirty="0">
                 <a:solidFill>
                   <a:schemeClr val="accent1"/>
                 </a:solidFill>
@@ -24136,7 +24213,7 @@
               <a:t>, 6, 4]).mean(</a:t>
             </a:r>
             <a:r>
-              <a:rPr lang="en-US" dirty="0" err="1">
+              <a:rPr lang="en-US" noProof="0" dirty="0" err="1">
                 <a:solidFill>
                   <a:schemeClr val="accent1"/>
                 </a:solidFill>
@@ -24144,7 +24221,7 @@
               <a:t>skipna</a:t>
             </a:r>
             <a:r>
-              <a:rPr lang="en-US" dirty="0">
+              <a:rPr lang="en-US" noProof="0" dirty="0">
                 <a:solidFill>
                   <a:schemeClr val="accent1"/>
                 </a:solidFill>
@@ -24157,7 +24234,7 @@
               <a:buNone/>
             </a:pPr>
             <a:r>
-              <a:rPr lang="en-US" dirty="0">
+              <a:rPr lang="en-US" noProof="0" dirty="0">
                 <a:solidFill>
                   <a:schemeClr val="accent1"/>
                 </a:solidFill>
@@ -24167,19 +24244,19 @@
           </a:p>
           <a:p>
             <a:r>
-              <a:rPr lang="en-US" dirty="0" err="1"/>
+              <a:rPr lang="en-US" noProof="0" dirty="0" err="1"/>
               <a:t>idxmin</a:t>
             </a:r>
             <a:r>
-              <a:rPr lang="en-US" dirty="0"/>
+              <a:rPr lang="en-US" noProof="0" dirty="0"/>
               <a:t> e </a:t>
             </a:r>
             <a:r>
-              <a:rPr lang="en-US" dirty="0" err="1"/>
+              <a:rPr lang="en-US" noProof="0" dirty="0" err="1"/>
               <a:t>idxmax</a:t>
             </a:r>
             <a:r>
-              <a:rPr lang="en-US" dirty="0"/>
+              <a:rPr lang="en-US" noProof="0" dirty="0"/>
               <a:t>, return the label of the minimum/maximum value</a:t>
             </a:r>
           </a:p>
@@ -24188,7 +24265,7 @@
               <a:buNone/>
             </a:pPr>
             <a:r>
-              <a:rPr lang="en-US" dirty="0">
+              <a:rPr lang="en-US" noProof="0" dirty="0">
                 <a:solidFill>
                   <a:schemeClr val="accent1"/>
                 </a:solidFill>
@@ -24196,7 +24273,7 @@
               <a:t>&gt;&gt;&gt; </a:t>
             </a:r>
             <a:r>
-              <a:rPr lang="en-US" dirty="0" err="1">
+              <a:rPr lang="en-US" noProof="0" dirty="0" err="1">
                 <a:solidFill>
                   <a:schemeClr val="accent1"/>
                 </a:solidFill>
@@ -24204,7 +24281,7 @@
               <a:t>pd.Series</a:t>
             </a:r>
             <a:r>
-              <a:rPr lang="en-US" dirty="0">
+              <a:rPr lang="en-US" noProof="0" dirty="0">
                 <a:solidFill>
                   <a:schemeClr val="accent1"/>
                 </a:solidFill>
@@ -24212,7 +24289,7 @@
               <a:t>({"a": 6, "b": 10, "c": 7}).</a:t>
             </a:r>
             <a:r>
-              <a:rPr lang="en-US" dirty="0" err="1">
+              <a:rPr lang="en-US" noProof="0" dirty="0" err="1">
                 <a:solidFill>
                   <a:schemeClr val="accent1"/>
                 </a:solidFill>
@@ -24220,7 +24297,7 @@
               <a:t>idxmax</a:t>
             </a:r>
             <a:r>
-              <a:rPr lang="en-US" dirty="0">
+              <a:rPr lang="en-US" noProof="0" dirty="0">
                 <a:solidFill>
                   <a:schemeClr val="accent1"/>
                 </a:solidFill>
@@ -24233,7 +24310,7 @@
               <a:buNone/>
             </a:pPr>
             <a:r>
-              <a:rPr lang="en-US" dirty="0">
+              <a:rPr lang="en-US" noProof="0" dirty="0">
                 <a:solidFill>
                   <a:schemeClr val="accent1"/>
                 </a:solidFill>
@@ -24368,14 +24445,9 @@
           <a:lstStyle/>
           <a:p>
             <a:r>
-              <a:rPr lang="it-IT" dirty="0"/>
-              <a:t>Value </a:t>
-            </a:r>
-            <a:r>
-              <a:rPr lang="it-IT" dirty="0" err="1"/>
-              <a:t>distribution</a:t>
-            </a:r>
-            <a:endParaRPr lang="en-US" dirty="0"/>
+              <a:rPr lang="en-US" noProof="0" dirty="0"/>
+              <a:t>Value distribution</a:t>
+            </a:r>
           </a:p>
         </p:txBody>
       </p:sp>
@@ -24407,7 +24479,7 @@
           <a:p>
             <a:pPr lvl="1"/>
             <a:r>
-              <a:rPr lang="en-US" dirty="0">
+              <a:rPr lang="en-US" noProof="0" dirty="0">
                 <a:solidFill>
                   <a:schemeClr val="accent1"/>
                 </a:solidFill>
@@ -24415,23 +24487,14 @@
               <a:t>unique</a:t>
             </a:r>
             <a:r>
-              <a:rPr lang="en-US" dirty="0"/>
-              <a:t> returns an array with distinct values, values are sorted by </a:t>
-            </a:r>
-            <a:r>
-              <a:rPr lang="it-IT" dirty="0"/>
-              <a:t>first </a:t>
-            </a:r>
-            <a:r>
-              <a:rPr lang="it-IT" dirty="0" err="1"/>
-              <a:t>appearance</a:t>
-            </a:r>
-            <a:endParaRPr lang="en-US" dirty="0"/>
+              <a:rPr lang="en-US" noProof="0" dirty="0"/>
+              <a:t> returns an array with distinct values, values are sorted by first appearance</a:t>
+            </a:r>
           </a:p>
           <a:p>
             <a:pPr lvl="1"/>
             <a:r>
-              <a:rPr lang="en-US" dirty="0" err="1">
+              <a:rPr lang="en-US" noProof="0" dirty="0" err="1">
                 <a:solidFill>
                   <a:schemeClr val="accent1"/>
                 </a:solidFill>
@@ -24439,7 +24502,7 @@
               <a:t>nunique</a:t>
             </a:r>
             <a:r>
-              <a:rPr lang="en-US" dirty="0"/>
+              <a:rPr lang="en-US" noProof="0" dirty="0"/>
               <a:t> returns the quantity of unique values</a:t>
             </a:r>
           </a:p>
@@ -24623,10 +24686,9 @@
           <a:lstStyle/>
           <a:p>
             <a:r>
-              <a:rPr lang="it-IT"/>
+              <a:rPr lang="en-US" noProof="0" dirty="0"/>
               <a:t>Value distribution</a:t>
             </a:r>
-            <a:endParaRPr lang="en-US" dirty="0"/>
           </a:p>
         </p:txBody>
       </p:sp>
@@ -24658,7 +24720,7 @@
           <a:p>
             <a:pPr lvl="1"/>
             <a:r>
-              <a:rPr lang="en-US" dirty="0" err="1">
+              <a:rPr lang="en-US" noProof="0" dirty="0" err="1">
                 <a:solidFill>
                   <a:schemeClr val="accent1"/>
                 </a:solidFill>
@@ -24666,7 +24728,7 @@
               <a:t>value_counts</a:t>
             </a:r>
             <a:r>
-              <a:rPr lang="en-US" dirty="0">
+              <a:rPr lang="en-US" noProof="0" dirty="0">
                 <a:solidFill>
                   <a:schemeClr val="accent1"/>
                 </a:solidFill>
@@ -24674,16 +24736,16 @@
               <a:t> </a:t>
             </a:r>
             <a:r>
-              <a:rPr lang="en-US" dirty="0"/>
+              <a:rPr lang="en-US" noProof="0" dirty="0"/>
               <a:t>returns a new series that associates each value with its number of occurrences, sorted by frequency</a:t>
             </a:r>
           </a:p>
           <a:p>
-            <a:endParaRPr lang="en-US" dirty="0"/>
-          </a:p>
-          <a:p>
-            <a:r>
-              <a:rPr lang="en-US" dirty="0"/>
+            <a:endParaRPr lang="en-US" noProof="0" dirty="0"/>
+          </a:p>
+          <a:p>
+            <a:r>
+              <a:rPr lang="en-US" noProof="0" dirty="0"/>
               <a:t>Which problems can cause skewed distributions?</a:t>
             </a:r>
           </a:p>
@@ -24932,9 +24994,10 @@
           <a:lstStyle/>
           <a:p>
             <a:r>
-              <a:rPr lang="en-US"/>
+              <a:rPr lang="en-US" noProof="0" dirty="0" err="1"/>
               <a:t>Dataframe</a:t>
             </a:r>
+            <a:endParaRPr lang="en-US" noProof="0" dirty="0"/>
           </a:p>
         </p:txBody>
       </p:sp>
@@ -24965,11 +25028,11 @@
           <a:lstStyle/>
           <a:p>
             <a:r>
-              <a:rPr lang="en-US" dirty="0"/>
+              <a:rPr lang="en-US" noProof="0" dirty="0"/>
               <a:t>A </a:t>
             </a:r>
             <a:r>
-              <a:rPr lang="en-US" dirty="0" err="1">
+              <a:rPr lang="en-US" noProof="0" dirty="0" err="1">
                 <a:solidFill>
                   <a:srgbClr val="FF0000"/>
                 </a:solidFill>
@@ -24977,18 +25040,18 @@
               <a:t>DataFrame</a:t>
             </a:r>
             <a:r>
-              <a:rPr lang="en-US" dirty="0"/>
+              <a:rPr lang="en-US" noProof="0" dirty="0"/>
               <a:t> represents relational data </a:t>
             </a:r>
           </a:p>
           <a:p>
             <a:pPr lvl="1"/>
             <a:r>
-              <a:rPr lang="en-US" dirty="0"/>
+              <a:rPr lang="en-US" noProof="0" dirty="0"/>
               <a:t>It can be seen as a </a:t>
             </a:r>
             <a:r>
-              <a:rPr lang="en-US" dirty="0">
+              <a:rPr lang="en-US" noProof="0" dirty="0">
                 <a:solidFill>
                   <a:srgbClr val="92D050"/>
                 </a:solidFill>
@@ -24996,11 +25059,11 @@
               <a:t>set of columns,</a:t>
             </a:r>
             <a:r>
-              <a:rPr lang="en-US" dirty="0"/>
+              <a:rPr lang="en-US" noProof="0" dirty="0"/>
               <a:t> each column is a series of a given type, all columns share </a:t>
             </a:r>
             <a:r>
-              <a:rPr lang="en-US" dirty="0">
+              <a:rPr lang="en-US" noProof="0" dirty="0">
                 <a:solidFill>
                   <a:srgbClr val="7030A0"/>
                 </a:solidFill>
@@ -25011,7 +25074,7 @@
           <a:p>
             <a:pPr lvl="1"/>
             <a:r>
-              <a:rPr lang="en-US" dirty="0">
+              <a:rPr lang="en-US" noProof="0" dirty="0">
                 <a:solidFill>
                   <a:srgbClr val="7030A0"/>
                 </a:solidFill>
@@ -25019,14 +25082,14 @@
               <a:t>Labels</a:t>
             </a:r>
             <a:r>
-              <a:rPr lang="en-US" dirty="0"/>
+              <a:rPr lang="en-US" noProof="0" dirty="0"/>
               <a:t> are unique row identifiers</a:t>
             </a:r>
           </a:p>
           <a:p>
             <a:pPr lvl="1"/>
             <a:r>
-              <a:rPr lang="en-US" dirty="0">
+              <a:rPr lang="en-US" noProof="0" dirty="0">
                 <a:solidFill>
                   <a:schemeClr val="accent1"/>
                 </a:solidFill>
@@ -25034,7 +25097,7 @@
               <a:t>Each series (column) </a:t>
             </a:r>
             <a:r>
-              <a:rPr lang="en-US" dirty="0"/>
+              <a:rPr lang="en-US" noProof="0" dirty="0"/>
               <a:t>has a unique name, the name is used to access the column values</a:t>
             </a:r>
           </a:p>
@@ -25219,9 +25282,10 @@
           <a:lstStyle/>
           <a:p>
             <a:r>
-              <a:rPr lang="en-US"/>
+              <a:rPr lang="en-US" noProof="0" dirty="0" err="1"/>
               <a:t>Dataframe</a:t>
             </a:r>
+            <a:endParaRPr lang="en-US" noProof="0" dirty="0"/>
           </a:p>
         </p:txBody>
       </p:sp>
@@ -25252,11 +25316,11 @@
           <a:lstStyle/>
           <a:p>
             <a:r>
-              <a:rPr lang="en-US" dirty="0"/>
+              <a:rPr lang="en-US" noProof="0" dirty="0"/>
               <a:t>As in a SQL projection, a column can be selected by </a:t>
             </a:r>
             <a:r>
-              <a:rPr lang="en-US" dirty="0">
+              <a:rPr lang="en-US" noProof="0" dirty="0">
                 <a:solidFill>
                   <a:srgbClr val="92D050"/>
                 </a:solidFill>
@@ -25269,7 +25333,7 @@
               <a:buNone/>
             </a:pPr>
             <a:r>
-              <a:rPr lang="en-US" dirty="0">
+              <a:rPr lang="en-US" noProof="0" dirty="0">
                 <a:solidFill>
                   <a:schemeClr val="accent1"/>
                 </a:solidFill>
@@ -25277,7 +25341,7 @@
               <a:t>&gt;&gt;&gt; </a:t>
             </a:r>
             <a:r>
-              <a:rPr lang="en-US" dirty="0" err="1">
+              <a:rPr lang="en-US" noProof="0" dirty="0" err="1">
                 <a:solidFill>
                   <a:schemeClr val="accent1"/>
                 </a:solidFill>
@@ -25285,26 +25349,42 @@
               <a:t>df.year</a:t>
             </a:r>
             <a:br>
-              <a:rPr lang="en-US" dirty="0">
+              <a:rPr lang="en-US" noProof="0" dirty="0">
                 <a:solidFill>
                   <a:schemeClr val="accent1"/>
                 </a:solidFill>
               </a:rPr>
             </a:br>
             <a:r>
-              <a:rPr lang="en-US" dirty="0">
+              <a:rPr lang="en-US" noProof="0" dirty="0">
                 <a:solidFill>
                   <a:schemeClr val="accent1"/>
                 </a:solidFill>
               </a:rPr>
-              <a:t>&gt;&gt;&gt; df["year"]</a:t>
+              <a:t>&gt;&gt;&gt; </a:t>
+            </a:r>
+            <a:r>
+              <a:rPr lang="en-US" noProof="0" dirty="0" err="1">
+                <a:solidFill>
+                  <a:schemeClr val="accent1"/>
+                </a:solidFill>
+              </a:rPr>
+              <a:t>df</a:t>
+            </a:r>
+            <a:r>
+              <a:rPr lang="en-US" noProof="0" dirty="0">
+                <a:solidFill>
+                  <a:schemeClr val="accent1"/>
+                </a:solidFill>
+              </a:rPr>
+              <a:t>["year"]</a:t>
             </a:r>
           </a:p>
           <a:p>
             <a:pPr marL="457200" lvl="1" indent="0">
               <a:buNone/>
             </a:pPr>
-            <a:endParaRPr lang="en-US" dirty="0">
+            <a:endParaRPr lang="en-US" noProof="0" dirty="0">
               <a:solidFill>
                 <a:schemeClr val="accent1"/>
               </a:solidFill>
@@ -25491,9 +25571,10 @@
           <a:lstStyle/>
           <a:p>
             <a:r>
-              <a:rPr lang="en-US"/>
+              <a:rPr lang="en-US" noProof="0" dirty="0" err="1"/>
               <a:t>Dataframe</a:t>
             </a:r>
+            <a:endParaRPr lang="en-US" noProof="0" dirty="0"/>
           </a:p>
         </p:txBody>
       </p:sp>
@@ -25524,22 +25605,22 @@
           <a:lstStyle/>
           <a:p>
             <a:r>
-              <a:rPr lang="en-US" dirty="0"/>
+              <a:rPr lang="en-US" noProof="0" dirty="0"/>
               <a:t>A </a:t>
             </a:r>
             <a:r>
-              <a:rPr lang="en-US" dirty="0" err="1"/>
+              <a:rPr lang="en-US" noProof="0" dirty="0" err="1"/>
               <a:t>DataFrame</a:t>
             </a:r>
             <a:r>
-              <a:rPr lang="en-US" dirty="0"/>
+              <a:rPr lang="en-US" noProof="0" dirty="0"/>
               <a:t> can be imported from external sources</a:t>
             </a:r>
           </a:p>
           <a:p>
             <a:pPr lvl="1"/>
             <a:r>
-              <a:rPr lang="en-US" dirty="0" err="1">
+              <a:rPr lang="en-US" noProof="0" dirty="0" err="1">
                 <a:solidFill>
                   <a:schemeClr val="accent1"/>
                 </a:solidFill>
@@ -25547,7 +25628,7 @@
               <a:t>pd.read_csv</a:t>
             </a:r>
             <a:r>
-              <a:rPr lang="en-US" dirty="0">
+              <a:rPr lang="en-US" noProof="0" dirty="0">
                 <a:solidFill>
                   <a:schemeClr val="accent1"/>
                 </a:solidFill>
@@ -25555,22 +25636,22 @@
               <a:t> </a:t>
             </a:r>
             <a:r>
-              <a:rPr lang="en-US" dirty="0"/>
+              <a:rPr lang="en-US" noProof="0" dirty="0"/>
               <a:t>returns </a:t>
             </a:r>
             <a:r>
-              <a:rPr lang="en-US" dirty="0" err="1"/>
+              <a:rPr lang="en-US" noProof="0" dirty="0" err="1"/>
               <a:t>DataFrame</a:t>
             </a:r>
             <a:r>
-              <a:rPr lang="en-US" dirty="0"/>
+              <a:rPr lang="en-US" noProof="0" dirty="0"/>
               <a:t> from a given CSV file</a:t>
             </a:r>
           </a:p>
           <a:p>
             <a:pPr lvl="1"/>
             <a:r>
-              <a:rPr lang="en-US" dirty="0"/>
+              <a:rPr lang="en-US" noProof="0" dirty="0"/>
               <a:t>Data types are automatically inferred (integers, floating numbers, objects, etc.)</a:t>
             </a:r>
           </a:p>
@@ -25579,7 +25660,7 @@
               <a:buNone/>
             </a:pPr>
             <a:r>
-              <a:rPr lang="en-US" dirty="0">
+              <a:rPr lang="en-US" noProof="0" dirty="0">
                 <a:solidFill>
                   <a:schemeClr val="accent1"/>
                 </a:solidFill>
@@ -25587,7 +25668,7 @@
               <a:t>	&gt;&gt;&gt; data = </a:t>
             </a:r>
             <a:r>
-              <a:rPr lang="en-US" dirty="0" err="1">
+              <a:rPr lang="en-US" noProof="0" dirty="0" err="1">
                 <a:solidFill>
                   <a:schemeClr val="accent1"/>
                 </a:solidFill>
@@ -25595,7 +25676,7 @@
               <a:t>pd.read_csv</a:t>
             </a:r>
             <a:r>
-              <a:rPr lang="en-US" dirty="0">
+              <a:rPr lang="en-US" noProof="0" dirty="0">
                 <a:solidFill>
                   <a:schemeClr val="accent1"/>
                 </a:solidFill>
@@ -25605,7 +25686,7 @@
           </a:p>
           <a:p>
             <a:r>
-              <a:rPr lang="it-IT" dirty="0" err="1">
+              <a:rPr lang="en-US" noProof="0" dirty="0" err="1">
                 <a:solidFill>
                   <a:schemeClr val="accent1"/>
                 </a:solidFill>
@@ -25613,7 +25694,7 @@
               <a:t>read_csv</a:t>
             </a:r>
             <a:r>
-              <a:rPr lang="it-IT" dirty="0">
+              <a:rPr lang="en-US" noProof="0" dirty="0">
                 <a:solidFill>
                   <a:schemeClr val="accent1"/>
                 </a:solidFill>
@@ -25621,50 +25702,14 @@
               <a:t> </a:t>
             </a:r>
             <a:r>
-              <a:rPr lang="it-IT" dirty="0" err="1"/>
-              <a:t>has</a:t>
-            </a:r>
-            <a:r>
-              <a:rPr lang="it-IT" dirty="0"/>
-              <a:t> </a:t>
-            </a:r>
-            <a:r>
-              <a:rPr lang="it-IT" dirty="0" err="1"/>
-              <a:t>many</a:t>
-            </a:r>
-            <a:r>
-              <a:rPr lang="it-IT" dirty="0"/>
-              <a:t> optional </a:t>
-            </a:r>
-            <a:r>
-              <a:rPr lang="it-IT" dirty="0" err="1"/>
-              <a:t>parameters</a:t>
-            </a:r>
-            <a:r>
-              <a:rPr lang="it-IT" dirty="0"/>
-              <a:t>, </a:t>
-            </a:r>
-            <a:r>
-              <a:rPr lang="it-IT" dirty="0" err="1"/>
-              <a:t>such</a:t>
-            </a:r>
-            <a:r>
-              <a:rPr lang="it-IT" dirty="0"/>
-              <a:t> </a:t>
-            </a:r>
-            <a:r>
-              <a:rPr lang="it-IT" dirty="0" err="1"/>
-              <a:t>as</a:t>
-            </a:r>
-            <a:r>
-              <a:rPr lang="it-IT" dirty="0"/>
-              <a:t>:</a:t>
+              <a:rPr lang="en-US" noProof="0" dirty="0"/>
+              <a:t>has many optional parameters, such as:</a:t>
             </a:r>
           </a:p>
           <a:p>
             <a:pPr lvl="1"/>
             <a:r>
-              <a:rPr lang="it-IT" dirty="0" err="1">
+              <a:rPr lang="en-US" noProof="0" dirty="0" err="1">
                 <a:solidFill>
                   <a:schemeClr val="accent1"/>
                 </a:solidFill>
@@ -25672,22 +25717,14 @@
               <a:t>sep</a:t>
             </a:r>
             <a:r>
-              <a:rPr lang="it-IT" dirty="0"/>
-              <a:t>: </a:t>
-            </a:r>
-            <a:r>
-              <a:rPr lang="it-IT" dirty="0" err="1"/>
-              <a:t>column</a:t>
-            </a:r>
-            <a:r>
-              <a:rPr lang="it-IT" dirty="0"/>
-              <a:t> separator (default: “,”)</a:t>
+              <a:rPr lang="en-US" noProof="0" dirty="0"/>
+              <a:t>: column separator (default: “,”)</a:t>
             </a:r>
           </a:p>
           <a:p>
             <a:pPr lvl="1"/>
             <a:r>
-              <a:rPr lang="it-IT" dirty="0">
+              <a:rPr lang="en-US" noProof="0" dirty="0">
                 <a:solidFill>
                   <a:schemeClr val="accent1"/>
                 </a:solidFill>
@@ -25695,30 +25732,14 @@
               <a:t>names</a:t>
             </a:r>
             <a:r>
-              <a:rPr lang="it-IT" dirty="0"/>
-              <a:t>: </a:t>
-            </a:r>
-            <a:r>
-              <a:rPr lang="it-IT" dirty="0" err="1"/>
-              <a:t>column</a:t>
-            </a:r>
-            <a:r>
-              <a:rPr lang="it-IT" dirty="0"/>
-              <a:t> names (default: the first </a:t>
-            </a:r>
-            <a:r>
-              <a:rPr lang="it-IT" dirty="0" err="1"/>
-              <a:t>row</a:t>
-            </a:r>
-            <a:r>
-              <a:rPr lang="it-IT" dirty="0"/>
-              <a:t> from the file)</a:t>
+              <a:rPr lang="en-US" noProof="0" dirty="0"/>
+              <a:t>: column names (default: the first row from the file)</a:t>
             </a:r>
           </a:p>
           <a:p>
             <a:pPr lvl="1"/>
             <a:r>
-              <a:rPr lang="it-IT" dirty="0" err="1">
+              <a:rPr lang="en-US" noProof="0" dirty="0" err="1">
                 <a:solidFill>
                   <a:schemeClr val="accent1"/>
                 </a:solidFill>
@@ -25726,35 +25747,14 @@
               <a:t>index_col</a:t>
             </a:r>
             <a:r>
-              <a:rPr lang="it-IT" dirty="0"/>
-              <a:t>: </a:t>
-            </a:r>
-            <a:r>
-              <a:rPr lang="it-IT" dirty="0" err="1"/>
-              <a:t>column</a:t>
-            </a:r>
-            <a:r>
-              <a:rPr lang="it-IT" dirty="0"/>
-              <a:t> to use </a:t>
-            </a:r>
-            <a:r>
-              <a:rPr lang="it-IT" dirty="0" err="1"/>
-              <a:t>as</a:t>
-            </a:r>
-            <a:r>
-              <a:rPr lang="it-IT" dirty="0"/>
-              <a:t> index, indexes can be </a:t>
-            </a:r>
-            <a:r>
-              <a:rPr lang="it-IT" dirty="0" err="1"/>
-              <a:t>nested</a:t>
-            </a:r>
-            <a:endParaRPr lang="it-IT" dirty="0"/>
+              <a:rPr lang="en-US" noProof="0" dirty="0"/>
+              <a:t>: column to use as index, indexes can be nested</a:t>
+            </a:r>
           </a:p>
           <a:p>
             <a:pPr lvl="1"/>
             <a:r>
-              <a:rPr lang="it-IT" dirty="0" err="1">
+              <a:rPr lang="en-US" noProof="0" dirty="0" err="1">
                 <a:solidFill>
                   <a:schemeClr val="accent1"/>
                 </a:solidFill>
@@ -25762,27 +25762,14 @@
               <a:t>dtype</a:t>
             </a:r>
             <a:r>
-              <a:rPr lang="it-IT" dirty="0"/>
-              <a:t>: </a:t>
-            </a:r>
-            <a:r>
-              <a:rPr lang="it-IT" dirty="0" err="1"/>
-              <a:t>column</a:t>
-            </a:r>
-            <a:r>
-              <a:rPr lang="it-IT" dirty="0"/>
-              <a:t> </a:t>
-            </a:r>
-            <a:r>
-              <a:rPr lang="it-IT" dirty="0" err="1"/>
-              <a:t>types</a:t>
-            </a:r>
-            <a:endParaRPr lang="it-IT" dirty="0"/>
+              <a:rPr lang="en-US" noProof="0" dirty="0"/>
+              <a:t>: column types</a:t>
+            </a:r>
           </a:p>
           <a:p>
             <a:pPr lvl="1"/>
             <a:r>
-              <a:rPr lang="it-IT" dirty="0" err="1">
+              <a:rPr lang="en-US" noProof="0" dirty="0" err="1">
                 <a:solidFill>
                   <a:schemeClr val="accent1"/>
                 </a:solidFill>
@@ -25790,28 +25777,15 @@
               <a:t>nrows</a:t>
             </a:r>
             <a:r>
-              <a:rPr lang="it-IT" dirty="0"/>
-              <a:t>: maximum </a:t>
-            </a:r>
-            <a:r>
-              <a:rPr lang="it-IT" dirty="0" err="1"/>
-              <a:t>number</a:t>
-            </a:r>
-            <a:r>
-              <a:rPr lang="it-IT" dirty="0"/>
-              <a:t> of </a:t>
-            </a:r>
-            <a:r>
-              <a:rPr lang="it-IT" dirty="0" err="1"/>
-              <a:t>rows</a:t>
-            </a:r>
-            <a:endParaRPr lang="en-US" dirty="0"/>
+              <a:rPr lang="en-US" noProof="0" dirty="0"/>
+              <a:t>: maximum number of rows</a:t>
+            </a:r>
           </a:p>
           <a:p>
             <a:pPr marL="457200" lvl="1" indent="0">
               <a:buNone/>
             </a:pPr>
-            <a:endParaRPr lang="en-US" dirty="0">
+            <a:endParaRPr lang="en-US" noProof="0" dirty="0">
               <a:solidFill>
                 <a:schemeClr val="accent1"/>
               </a:solidFill>
@@ -25944,10 +25918,9 @@
           <a:lstStyle/>
           <a:p>
             <a:r>
-              <a:rPr lang="it-IT" dirty="0"/>
+              <a:rPr lang="en-US" noProof="0" dirty="0"/>
               <a:t>Python</a:t>
             </a:r>
-            <a:endParaRPr lang="en-US" dirty="0"/>
           </a:p>
         </p:txBody>
       </p:sp>
@@ -25978,56 +25951,56 @@
           <a:lstStyle/>
           <a:p>
             <a:r>
-              <a:rPr lang="en-US" dirty="0"/>
+              <a:rPr lang="en-US" noProof="0" dirty="0"/>
               <a:t>Why Python? </a:t>
             </a:r>
           </a:p>
           <a:p>
             <a:pPr lvl="1"/>
             <a:r>
-              <a:rPr lang="en-US" dirty="0"/>
+              <a:rPr lang="en-US" noProof="0" dirty="0"/>
               <a:t>Easy to learn</a:t>
             </a:r>
           </a:p>
           <a:p>
             <a:pPr lvl="1"/>
             <a:r>
-              <a:rPr lang="en-US" dirty="0"/>
+              <a:rPr lang="en-US" noProof="0" dirty="0"/>
               <a:t>Used for multiple purposes (scripting, data science, etc.)</a:t>
             </a:r>
           </a:p>
           <a:p>
             <a:pPr lvl="1"/>
             <a:r>
-              <a:rPr lang="en-US" dirty="0"/>
+              <a:rPr lang="en-US" noProof="0" dirty="0"/>
               <a:t>Used for prototyping and rapid development cycles</a:t>
             </a:r>
           </a:p>
           <a:p>
             <a:pPr lvl="1"/>
             <a:r>
-              <a:rPr lang="en-US" dirty="0"/>
+              <a:rPr lang="en-US" noProof="0" dirty="0"/>
               <a:t>Rising popularity</a:t>
             </a:r>
           </a:p>
           <a:p>
             <a:pPr lvl="2"/>
             <a:r>
-              <a:rPr lang="en-US" dirty="0"/>
+              <a:rPr lang="en-US" noProof="0" dirty="0"/>
               <a:t>Includes a standard library </a:t>
             </a:r>
           </a:p>
           <a:p>
             <a:pPr lvl="2"/>
             <a:r>
-              <a:rPr lang="en-US" dirty="0"/>
+              <a:rPr lang="en-US" noProof="0" dirty="0"/>
               <a:t>Wide availability of external libraries</a:t>
             </a:r>
           </a:p>
           <a:p>
             <a:pPr lvl="2"/>
             <a:r>
-              <a:rPr lang="en-US" dirty="0"/>
+              <a:rPr lang="en-US" noProof="0" dirty="0"/>
               <a:t>E.g., machine learning, deep learning</a:t>
             </a:r>
           </a:p>
@@ -26237,10 +26210,9 @@
           <a:lstStyle/>
           <a:p>
             <a:r>
-              <a:rPr lang="it-IT" dirty="0"/>
+              <a:rPr lang="en-US" noProof="0" dirty="0"/>
               <a:t>In action!</a:t>
             </a:r>
-            <a:endParaRPr lang="en-US" dirty="0"/>
           </a:p>
         </p:txBody>
       </p:sp>
@@ -26325,7 +26297,7 @@
           <a:lstStyle/>
           <a:p>
             <a:r>
-              <a:rPr lang="en-US" dirty="0">
+              <a:rPr lang="en-US" noProof="0" dirty="0">
                 <a:latin typeface="Helvetica"/>
                 <a:cs typeface="Helvetica"/>
                 <a:hlinkClick r:id="rId7"/>
@@ -26333,13 +26305,13 @@
               <a:t>https://github.com/w4bo/2022-bbs-dsaa/blob/master/materials/01-DataPreprocessing.ipynb</a:t>
             </a:r>
             <a:r>
-              <a:rPr lang="en-US" dirty="0">
+              <a:rPr lang="en-US" noProof="0" dirty="0">
                 <a:latin typeface="Helvetica"/>
                 <a:cs typeface="Helvetica"/>
               </a:rPr>
               <a:t> </a:t>
             </a:r>
-            <a:endParaRPr lang="en-US"/>
+            <a:endParaRPr lang="en-US" noProof="0" dirty="0"/>
           </a:p>
         </p:txBody>
       </p:sp>
@@ -26469,14 +26441,9 @@
           <a:lstStyle/>
           <a:p>
             <a:r>
-              <a:rPr lang="it-IT" dirty="0"/>
-              <a:t>Data </a:t>
-            </a:r>
-            <a:r>
-              <a:rPr lang="it-IT" dirty="0" err="1"/>
-              <a:t>preprocessing</a:t>
-            </a:r>
-            <a:endParaRPr lang="en-US" dirty="0"/>
+              <a:rPr lang="en-US" noProof="0" dirty="0"/>
+              <a:t>Data preprocessing</a:t>
+            </a:r>
           </a:p>
         </p:txBody>
       </p:sp>
@@ -26630,7 +26597,7 @@
           <a:lstStyle/>
           <a:p>
             <a:r>
-              <a:rPr lang="en-US"/>
+              <a:rPr lang="en-US" noProof="0" dirty="0"/>
               <a:t>Data preprocessing</a:t>
             </a:r>
           </a:p>
@@ -26658,7 +26625,7 @@
           <a:lstStyle/>
           <a:p>
             <a:r>
-              <a:rPr lang="en-US" dirty="0"/>
+              <a:rPr lang="en-US" noProof="0" dirty="0"/>
               <a:t>Discussion time!</a:t>
             </a:r>
           </a:p>
@@ -26799,14 +26766,9 @@
           <a:lstStyle/>
           <a:p>
             <a:r>
-              <a:rPr lang="it-IT" dirty="0"/>
-              <a:t>Data </a:t>
-            </a:r>
-            <a:r>
-              <a:rPr lang="it-IT" dirty="0" err="1"/>
-              <a:t>preprocessing</a:t>
-            </a:r>
-            <a:endParaRPr lang="en-US" dirty="0"/>
+              <a:rPr lang="en-US" noProof="0" dirty="0"/>
+              <a:t>Data preprocessing</a:t>
+            </a:r>
           </a:p>
         </p:txBody>
       </p:sp>
@@ -26832,7 +26794,7 @@
           <a:lstStyle/>
           <a:p>
             <a:r>
-              <a:rPr lang="en-US" dirty="0">
+              <a:rPr lang="en-US" noProof="0" dirty="0">
                 <a:effectLst/>
                 <a:latin typeface="Arial" panose="020B0604020202020204" pitchFamily="34" charset="0"/>
               </a:rPr>
@@ -26842,7 +26804,7 @@
           <a:p>
             <a:pPr lvl="1"/>
             <a:r>
-              <a:rPr lang="en-US" dirty="0">
+              <a:rPr lang="en-US" noProof="0" dirty="0">
                 <a:effectLst/>
                 <a:latin typeface="Arial" panose="020B0604020202020204" pitchFamily="34" charset="0"/>
               </a:rPr>
@@ -26852,7 +26814,7 @@
           <a:p>
             <a:pPr lvl="1"/>
             <a:r>
-              <a:rPr lang="en-US" dirty="0">
+              <a:rPr lang="en-US" noProof="0" dirty="0">
                 <a:solidFill>
                   <a:srgbClr val="FF0000"/>
                 </a:solidFill>
@@ -26862,7 +26824,7 @@
               <a:t>There are no pre-defined rules</a:t>
             </a:r>
             <a:r>
-              <a:rPr lang="en-US" dirty="0">
+              <a:rPr lang="en-US" noProof="0" dirty="0">
                 <a:effectLst/>
                 <a:latin typeface="Arial" panose="020B0604020202020204" pitchFamily="34" charset="0"/>
               </a:rPr>
@@ -26872,13 +26834,13 @@
           <a:p>
             <a:pPr lvl="1"/>
             <a:r>
-              <a:rPr lang="en-US" dirty="0">
+              <a:rPr lang="en-US" noProof="0" dirty="0">
                 <a:effectLst/>
                 <a:latin typeface="Arial" panose="020B0604020202020204" pitchFamily="34" charset="0"/>
               </a:rPr>
               <a:t>Data scientists cannot easily foresee the impact of pipeline prototypes and hence require a method to discriminate between them and find the most relevant ones</a:t>
             </a:r>
-            <a:endParaRPr lang="en-US" dirty="0"/>
+            <a:endParaRPr lang="en-US" noProof="0" dirty="0"/>
           </a:p>
         </p:txBody>
       </p:sp>
@@ -26963,58 +26925,41 @@
           <a:lstStyle/>
           <a:p>
             <a:r>
-              <a:rPr lang="it-IT" dirty="0"/>
+              <a:rPr lang="en-US" noProof="0" dirty="0"/>
               <a:t>[1] Joseph Giovanelli, </a:t>
             </a:r>
             <a:r>
-              <a:rPr lang="it-IT" dirty="0" err="1"/>
+              <a:rPr lang="en-US" noProof="0" dirty="0" err="1"/>
               <a:t>Besim</a:t>
             </a:r>
             <a:r>
-              <a:rPr lang="it-IT" dirty="0"/>
+              <a:rPr lang="en-US" noProof="0" dirty="0"/>
               <a:t> </a:t>
             </a:r>
             <a:r>
-              <a:rPr lang="it-IT" dirty="0" err="1"/>
+              <a:rPr lang="en-US" noProof="0" dirty="0" err="1"/>
               <a:t>Bilalli</a:t>
             </a:r>
             <a:r>
-              <a:rPr lang="it-IT" dirty="0"/>
+              <a:rPr lang="en-US" noProof="0" dirty="0"/>
               <a:t>, Alberto </a:t>
             </a:r>
             <a:r>
-              <a:rPr lang="it-IT" dirty="0" err="1"/>
+              <a:rPr lang="en-US" noProof="0" dirty="0" err="1"/>
               <a:t>Abelló</a:t>
             </a:r>
             <a:r>
-              <a:rPr lang="it-IT" dirty="0"/>
-              <a:t>: </a:t>
-            </a:r>
-            <a:r>
-              <a:rPr lang="it-IT" dirty="0" err="1"/>
-              <a:t>Effective</a:t>
-            </a:r>
-            <a:r>
-              <a:rPr lang="it-IT" dirty="0"/>
-              <a:t> data </a:t>
-            </a:r>
-            <a:r>
-              <a:rPr lang="it-IT" dirty="0" err="1"/>
-              <a:t>pre</a:t>
-            </a:r>
-            <a:r>
-              <a:rPr lang="it-IT" dirty="0"/>
-              <a:t>-processing for </a:t>
-            </a:r>
-            <a:r>
-              <a:rPr lang="it-IT" dirty="0" err="1"/>
+              <a:rPr lang="en-US" noProof="0" dirty="0"/>
+              <a:t>: Effective data pre-processing for </a:t>
+            </a:r>
+            <a:r>
+              <a:rPr lang="en-US" noProof="0" dirty="0" err="1"/>
               <a:t>AutoML</a:t>
             </a:r>
             <a:r>
-              <a:rPr lang="it-IT" dirty="0"/>
+              <a:rPr lang="en-US" noProof="0" dirty="0"/>
               <a:t>. DOLAP 2021: 1-10</a:t>
             </a:r>
-            <a:endParaRPr lang="en-US" dirty="0"/>
           </a:p>
         </p:txBody>
       </p:sp>
@@ -27070,14 +27015,9 @@
           <a:lstStyle/>
           <a:p>
             <a:r>
-              <a:rPr lang="it-IT" dirty="0"/>
-              <a:t>Data </a:t>
-            </a:r>
-            <a:r>
-              <a:rPr lang="it-IT" dirty="0" err="1"/>
-              <a:t>preprocessing</a:t>
-            </a:r>
-            <a:endParaRPr lang="en-US" dirty="0"/>
+              <a:rPr lang="en-US" noProof="0" dirty="0"/>
+              <a:t>Data preprocessing</a:t>
+            </a:r>
           </a:p>
         </p:txBody>
       </p:sp>
@@ -27103,11 +27043,11 @@
           <a:lstStyle/>
           <a:p>
             <a:r>
-              <a:rPr lang="en-US" dirty="0"/>
+              <a:rPr lang="en-US" noProof="0" dirty="0"/>
               <a:t>Data preprocessing avoids “</a:t>
             </a:r>
             <a:r>
-              <a:rPr lang="en-US" i="1" dirty="0">
+              <a:rPr lang="en-US" i="1" noProof="0" dirty="0">
                 <a:solidFill>
                   <a:srgbClr val="FF0000"/>
                 </a:solidFill>
@@ -27115,56 +27055,56 @@
               <a:t>Garbage in</a:t>
             </a:r>
             <a:r>
-              <a:rPr lang="en-US" dirty="0"/>
+              <a:rPr lang="en-US" noProof="0" dirty="0"/>
               <a:t>, garbage out”</a:t>
             </a:r>
           </a:p>
           <a:p>
             <a:pPr lvl="1"/>
             <a:r>
-              <a:rPr lang="en-US" dirty="0"/>
+              <a:rPr lang="en-US" noProof="0" dirty="0"/>
               <a:t>“Garbage in, garbage out” is particularly applicable to data mining and machine learning</a:t>
             </a:r>
           </a:p>
           <a:p>
             <a:pPr lvl="1"/>
             <a:r>
-              <a:rPr lang="en-US" dirty="0"/>
+              <a:rPr lang="en-US" noProof="0" dirty="0"/>
               <a:t>Indeed, data-collection methods are often loosely controlled, resulting in:</a:t>
             </a:r>
           </a:p>
           <a:p>
             <a:pPr lvl="2"/>
             <a:r>
-              <a:rPr lang="en-US" dirty="0"/>
+              <a:rPr lang="en-US" noProof="0" dirty="0"/>
               <a:t>Out-of-range values (e.g., Income: −100)</a:t>
             </a:r>
           </a:p>
           <a:p>
             <a:pPr lvl="2"/>
             <a:r>
-              <a:rPr lang="en-US" dirty="0"/>
-              <a:t>Impossible data combinations (e.g., Sex: Male, Pregnant: Yes) </a:t>
+              <a:rPr lang="en-US" noProof="0" dirty="0"/>
+              <a:t>Impossible data combinations (e.g., Exam mark: 15, Exam result: Passed) </a:t>
             </a:r>
           </a:p>
           <a:p>
             <a:pPr lvl="2"/>
             <a:r>
-              <a:rPr lang="en-US" dirty="0"/>
+              <a:rPr lang="en-US" noProof="0" dirty="0"/>
               <a:t>Missing values</a:t>
             </a:r>
           </a:p>
           <a:p>
             <a:pPr lvl="2"/>
             <a:r>
-              <a:rPr lang="en-US" dirty="0"/>
+              <a:rPr lang="en-US" noProof="0" dirty="0"/>
               <a:t>Inconsistent data among multiple sources</a:t>
             </a:r>
           </a:p>
           <a:p>
             <a:pPr lvl="2"/>
             <a:r>
-              <a:rPr lang="en-US" dirty="0"/>
+              <a:rPr lang="en-US" noProof="0" dirty="0"/>
               <a:t>More?</a:t>
             </a:r>
           </a:p>
@@ -27311,14 +27251,9 @@
           <a:lstStyle/>
           <a:p>
             <a:r>
-              <a:rPr lang="it-IT" dirty="0"/>
-              <a:t>Data </a:t>
-            </a:r>
-            <a:r>
-              <a:rPr lang="it-IT" dirty="0" err="1"/>
-              <a:t>preprocessing</a:t>
-            </a:r>
-            <a:endParaRPr lang="en-US" dirty="0"/>
+              <a:rPr lang="en-US" noProof="0" dirty="0"/>
+              <a:t>Data preprocessing</a:t>
+            </a:r>
           </a:p>
         </p:txBody>
       </p:sp>
@@ -27349,14 +27284,14 @@
           <a:lstStyle/>
           <a:p>
             <a:r>
-              <a:rPr lang="en-US" dirty="0"/>
+              <a:rPr lang="en-US" noProof="0" dirty="0"/>
               <a:t>Which transformations can we apply?</a:t>
             </a:r>
           </a:p>
           <a:p>
             <a:pPr lvl="1"/>
             <a:r>
-              <a:rPr lang="en-US" dirty="0">
+              <a:rPr lang="en-US" noProof="0" dirty="0">
                 <a:solidFill>
                   <a:schemeClr val="accent1"/>
                 </a:solidFill>
@@ -27366,7 +27301,7 @@
               <a:t>Encoding</a:t>
             </a:r>
             <a:r>
-              <a:rPr lang="en-US" dirty="0">
+              <a:rPr lang="en-US" noProof="0" dirty="0">
                 <a:effectLst/>
                 <a:latin typeface="Arial" panose="020B0604020202020204" pitchFamily="34" charset="0"/>
               </a:rPr>
@@ -27376,7 +27311,7 @@
           <a:p>
             <a:pPr lvl="1"/>
             <a:r>
-              <a:rPr lang="en-US" dirty="0">
+              <a:rPr lang="en-US" noProof="0" dirty="0">
                 <a:solidFill>
                   <a:schemeClr val="accent1"/>
                 </a:solidFill>
@@ -27386,7 +27321,7 @@
               <a:t>Discretization</a:t>
             </a:r>
             <a:r>
-              <a:rPr lang="en-US" dirty="0">
+              <a:rPr lang="en-US" noProof="0" dirty="0">
                 <a:effectLst/>
                 <a:latin typeface="Arial" panose="020B0604020202020204" pitchFamily="34" charset="0"/>
               </a:rPr>
@@ -27396,7 +27331,7 @@
           <a:p>
             <a:pPr lvl="1"/>
             <a:r>
-              <a:rPr lang="en-US" dirty="0">
+              <a:rPr lang="en-US" noProof="0" dirty="0">
                 <a:solidFill>
                   <a:schemeClr val="accent1"/>
                 </a:solidFill>
@@ -27406,7 +27341,7 @@
               <a:t>Normalization</a:t>
             </a:r>
             <a:r>
-              <a:rPr lang="en-US" dirty="0">
+              <a:rPr lang="en-US" noProof="0" dirty="0">
                 <a:effectLst/>
                 <a:latin typeface="Arial" panose="020B0604020202020204" pitchFamily="34" charset="0"/>
               </a:rPr>
@@ -27416,7 +27351,7 @@
           <a:p>
             <a:pPr lvl="1"/>
             <a:r>
-              <a:rPr lang="en-US" dirty="0">
+              <a:rPr lang="en-US" noProof="0" dirty="0">
                 <a:solidFill>
                   <a:schemeClr val="accent1"/>
                 </a:solidFill>
@@ -27426,7 +27361,7 @@
               <a:t>Imputation</a:t>
             </a:r>
             <a:r>
-              <a:rPr lang="en-US" dirty="0">
+              <a:rPr lang="en-US" noProof="0" dirty="0">
                 <a:effectLst/>
                 <a:latin typeface="Arial" panose="020B0604020202020204" pitchFamily="34" charset="0"/>
               </a:rPr>
@@ -27436,7 +27371,7 @@
           <a:p>
             <a:pPr lvl="1"/>
             <a:r>
-              <a:rPr lang="en-US" dirty="0">
+              <a:rPr lang="en-US" noProof="0" dirty="0">
                 <a:solidFill>
                   <a:schemeClr val="accent1"/>
                 </a:solidFill>
@@ -27446,7 +27381,7 @@
               <a:t>Rebalancing</a:t>
             </a:r>
             <a:r>
-              <a:rPr lang="en-US" dirty="0">
+              <a:rPr lang="en-US" noProof="0" dirty="0">
                 <a:effectLst/>
                 <a:latin typeface="Arial" panose="020B0604020202020204" pitchFamily="34" charset="0"/>
               </a:rPr>
@@ -27456,7 +27391,7 @@
           <a:p>
             <a:pPr lvl="1"/>
             <a:r>
-              <a:rPr lang="en-US" dirty="0">
+              <a:rPr lang="en-US" noProof="0" dirty="0">
                 <a:solidFill>
                   <a:schemeClr val="accent1"/>
                 </a:solidFill>
@@ -27466,14 +27401,14 @@
               <a:t>Feature</a:t>
             </a:r>
             <a:r>
-              <a:rPr lang="en-US" dirty="0">
+              <a:rPr lang="en-US" noProof="0" dirty="0">
                 <a:effectLst/>
                 <a:latin typeface="Arial" panose="020B0604020202020204" pitchFamily="34" charset="0"/>
               </a:rPr>
               <a:t> </a:t>
             </a:r>
             <a:r>
-              <a:rPr lang="en-US" dirty="0">
+              <a:rPr lang="en-US" noProof="0" dirty="0">
                 <a:solidFill>
                   <a:schemeClr val="accent1"/>
                 </a:solidFill>
@@ -27483,13 +27418,13 @@
               <a:t>Engineering</a:t>
             </a:r>
             <a:r>
-              <a:rPr lang="en-US" dirty="0">
+              <a:rPr lang="en-US" noProof="0" dirty="0">
                 <a:effectLst/>
                 <a:latin typeface="Arial" panose="020B0604020202020204" pitchFamily="34" charset="0"/>
               </a:rPr>
               <a:t>: defining the set of relevant attributes (variables, predictors) to be used in model construction</a:t>
             </a:r>
-            <a:endParaRPr lang="en-US" dirty="0"/>
+            <a:endParaRPr lang="en-US" noProof="0" dirty="0"/>
           </a:p>
         </p:txBody>
       </p:sp>
@@ -27639,7 +27574,7 @@
           <a:lstStyle/>
           <a:p>
             <a:r>
-              <a:rPr lang="en-US"/>
+              <a:rPr lang="en-US" noProof="0" dirty="0"/>
               <a:t>Data preprocessing</a:t>
             </a:r>
           </a:p>
@@ -27667,18 +27602,18 @@
           <a:lstStyle/>
           <a:p>
             <a:r>
-              <a:rPr lang="en-US"/>
+              <a:rPr lang="en-US" noProof="0" dirty="0"/>
               <a:t>Things are even more complex when applying sequences of transformations</a:t>
             </a:r>
           </a:p>
           <a:p>
             <a:pPr lvl="1"/>
             <a:r>
-              <a:rPr lang="en-US"/>
+              <a:rPr lang="en-US" noProof="0" dirty="0"/>
               <a:t>E.g., </a:t>
             </a:r>
             <a:r>
-              <a:rPr lang="en-US">
+              <a:rPr lang="en-US" noProof="0" dirty="0">
                 <a:solidFill>
                   <a:srgbClr val="FF0000"/>
                 </a:solidFill>
@@ -27686,11 +27621,11 @@
               <a:t>normalization</a:t>
             </a:r>
             <a:r>
-              <a:rPr lang="en-US"/>
+              <a:rPr lang="en-US" noProof="0" dirty="0"/>
               <a:t> should be applied before </a:t>
             </a:r>
             <a:r>
-              <a:rPr lang="en-US">
+              <a:rPr lang="en-US" noProof="0" dirty="0">
                 <a:solidFill>
                   <a:schemeClr val="accent6"/>
                 </a:solidFill>
@@ -27698,11 +27633,11 @@
               <a:t>rebalancing</a:t>
             </a:r>
             <a:r>
-              <a:rPr lang="en-US"/>
+              <a:rPr lang="en-US" noProof="0" dirty="0"/>
               <a:t> since </a:t>
             </a:r>
             <a:r>
-              <a:rPr lang="en-US">
+              <a:rPr lang="en-US" noProof="0" dirty="0">
                 <a:solidFill>
                   <a:schemeClr val="accent6"/>
                 </a:solidFill>
@@ -27710,18 +27645,18 @@
               <a:t>rebalancing</a:t>
             </a:r>
             <a:r>
-              <a:rPr lang="en-US"/>
+              <a:rPr lang="en-US" noProof="0" dirty="0"/>
               <a:t> (e.g., by resampling) alters average and standard deviations</a:t>
             </a:r>
           </a:p>
           <a:p>
             <a:pPr lvl="1"/>
             <a:r>
-              <a:rPr lang="en-US"/>
+              <a:rPr lang="en-US" noProof="0" dirty="0"/>
               <a:t>E.g., applying </a:t>
             </a:r>
             <a:r>
-              <a:rPr lang="en-US">
+              <a:rPr lang="en-US" noProof="0" dirty="0">
                 <a:solidFill>
                   <a:schemeClr val="accent1"/>
                 </a:solidFill>
@@ -27729,11 +27664,11 @@
               <a:t>feature engineering </a:t>
             </a:r>
             <a:r>
-              <a:rPr lang="en-US"/>
+              <a:rPr lang="en-US" noProof="0" dirty="0"/>
               <a:t>before/after </a:t>
             </a:r>
             <a:r>
-              <a:rPr lang="en-US">
+              <a:rPr lang="en-US" noProof="0" dirty="0">
                 <a:solidFill>
                   <a:schemeClr val="accent6"/>
                 </a:solidFill>
@@ -27741,23 +27676,23 @@
               <a:t>rebalancing</a:t>
             </a:r>
             <a:r>
-              <a:rPr lang="en-US"/>
+              <a:rPr lang="en-US" noProof="0" dirty="0"/>
               <a:t> produces different results which depends on the dataset and the algorithm</a:t>
             </a:r>
           </a:p>
           <a:p>
-            <a:endParaRPr lang="en-US"/>
-          </a:p>
-          <a:p>
-            <a:r>
-              <a:rPr lang="en-US"/>
+            <a:endParaRPr lang="en-US" noProof="0" dirty="0"/>
+          </a:p>
+          <a:p>
+            <a:r>
+              <a:rPr lang="en-US" noProof="0" dirty="0"/>
               <a:t>More an art than a science</a:t>
             </a:r>
           </a:p>
           <a:p>
             <a:pPr lvl="1"/>
             <a:r>
-              <a:rPr lang="en-US"/>
+              <a:rPr lang="en-US" noProof="0" dirty="0"/>
               <a:t>At least for now</a:t>
             </a:r>
           </a:p>
@@ -28097,14 +28032,9 @@
           <a:lstStyle/>
           <a:p>
             <a:r>
-              <a:rPr lang="it-IT" dirty="0"/>
-              <a:t>Data </a:t>
-            </a:r>
-            <a:r>
-              <a:rPr lang="it-IT" dirty="0" err="1"/>
-              <a:t>preprocessing</a:t>
-            </a:r>
-            <a:endParaRPr lang="en-US" dirty="0"/>
+              <a:rPr lang="en-US" noProof="0" dirty="0"/>
+              <a:t>Data preprocessing</a:t>
+            </a:r>
           </a:p>
         </p:txBody>
       </p:sp>
@@ -28135,45 +28065,17 @@
           <a:lstStyle/>
           <a:p>
             <a:r>
-              <a:rPr lang="it-IT" dirty="0">
+              <a:rPr lang="en-US" noProof="0" dirty="0">
                 <a:latin typeface="Helvetica"/>
                 <a:cs typeface="Helvetica"/>
               </a:rPr>
-              <a:t>First, </a:t>
-            </a:r>
-            <a:r>
-              <a:rPr lang="it-IT" dirty="0" err="1">
-                <a:latin typeface="Helvetica"/>
-                <a:cs typeface="Helvetica"/>
-              </a:rPr>
-              <a:t>collect</a:t>
-            </a:r>
-            <a:r>
-              <a:rPr lang="it-IT" dirty="0">
-                <a:latin typeface="Helvetica"/>
-                <a:cs typeface="Helvetica"/>
-              </a:rPr>
-              <a:t> and </a:t>
-            </a:r>
-            <a:r>
-              <a:rPr lang="it-IT" dirty="0" err="1">
-                <a:latin typeface="Helvetica"/>
-                <a:cs typeface="Helvetica"/>
-              </a:rPr>
-              <a:t>understand</a:t>
-            </a:r>
-            <a:r>
-              <a:rPr lang="it-IT" dirty="0">
-                <a:latin typeface="Helvetica"/>
-                <a:cs typeface="Helvetica"/>
-              </a:rPr>
-              <a:t> the data</a:t>
+              <a:t>First, collect and understand the data</a:t>
             </a:r>
           </a:p>
           <a:p>
             <a:pPr lvl="1"/>
             <a:r>
-              <a:rPr lang="en-US" dirty="0">
+              <a:rPr lang="en-US" noProof="0" dirty="0">
                 <a:solidFill>
                   <a:srgbClr val="FF0000"/>
                 </a:solidFill>
@@ -28181,21 +28083,21 @@
               <a:t>Data integration</a:t>
             </a:r>
             <a:r>
-              <a:rPr lang="en-US" dirty="0"/>
+              <a:rPr lang="en-US" noProof="0" dirty="0"/>
               <a:t>: data are usually spread across multiple (even inconsistent) documents/files </a:t>
             </a:r>
           </a:p>
           <a:p>
             <a:pPr lvl="2"/>
             <a:r>
-              <a:rPr lang="en-US" dirty="0"/>
+              <a:rPr lang="en-US" noProof="0" dirty="0"/>
               <a:t>We keep things simple: you have already downloaded integrated *.csv files</a:t>
             </a:r>
           </a:p>
           <a:p>
             <a:pPr lvl="1"/>
             <a:r>
-              <a:rPr lang="en-US" dirty="0">
+              <a:rPr lang="en-US" noProof="0" dirty="0">
                 <a:solidFill>
                   <a:srgbClr val="FF0000"/>
                 </a:solidFill>
@@ -28203,44 +28105,44 @@
               <a:t>Visualization</a:t>
             </a:r>
             <a:r>
-              <a:rPr lang="en-US" dirty="0"/>
+              <a:rPr lang="en-US" noProof="0" dirty="0"/>
               <a:t> helps the process of understanding the data</a:t>
             </a:r>
           </a:p>
           <a:p>
-            <a:endParaRPr lang="en-US" dirty="0"/>
-          </a:p>
-          <a:p>
-            <a:r>
-              <a:rPr lang="en-US" dirty="0"/>
+            <a:endParaRPr lang="en-US" noProof="0" dirty="0"/>
+          </a:p>
+          <a:p>
+            <a:r>
+              <a:rPr lang="en-US" noProof="0" dirty="0"/>
               <a:t>Then, ask (yourself) some questions:</a:t>
             </a:r>
           </a:p>
           <a:p>
             <a:pPr lvl="1"/>
             <a:r>
-              <a:rPr lang="en-US" dirty="0"/>
+              <a:rPr lang="en-US" noProof="0" dirty="0"/>
               <a:t>Which attributes (i.e., columns) are contained in the dataset?</a:t>
             </a:r>
           </a:p>
           <a:p>
             <a:pPr lvl="1"/>
             <a:r>
-              <a:rPr lang="en-US" dirty="0"/>
+              <a:rPr lang="en-US" noProof="0" dirty="0"/>
               <a:t>Which is the distribution of each attribute?</a:t>
             </a:r>
           </a:p>
           <a:p>
             <a:pPr lvl="1"/>
             <a:r>
-              <a:rPr lang="en-US" dirty="0"/>
+              <a:rPr lang="en-US" noProof="0" dirty="0"/>
               <a:t>Which is the range of each attribute?</a:t>
             </a:r>
           </a:p>
           <a:p>
             <a:pPr lvl="1"/>
             <a:r>
-              <a:rPr lang="en-US" dirty="0"/>
+              <a:rPr lang="en-US" noProof="0" dirty="0"/>
               <a:t>How do we treat missing data?</a:t>
             </a:r>
           </a:p>
@@ -28397,22 +28299,9 @@
           <a:lstStyle/>
           <a:p>
             <a:r>
-              <a:rPr lang="it-IT" dirty="0" err="1"/>
-              <a:t>Integrated</a:t>
-            </a:r>
-            <a:r>
-              <a:rPr lang="it-IT" dirty="0"/>
-              <a:t> </a:t>
-            </a:r>
-            <a:r>
-              <a:rPr lang="it-IT" dirty="0" err="1"/>
-              <a:t>analytics</a:t>
-            </a:r>
-            <a:r>
-              <a:rPr lang="it-IT" dirty="0"/>
-              <a:t> lab</a:t>
-            </a:r>
-            <a:endParaRPr lang="en-US" dirty="0"/>
+              <a:rPr lang="en-US" noProof="0" dirty="0"/>
+              <a:t>Integrated analytics lab</a:t>
+            </a:r>
           </a:p>
         </p:txBody>
       </p:sp>
@@ -28443,14 +28332,14 @@
           <a:lstStyle/>
           <a:p>
             <a:r>
-              <a:rPr lang="en-US" dirty="0"/>
+              <a:rPr lang="en-US" noProof="0" dirty="0"/>
               <a:t>This checklist can help you while building your projects</a:t>
             </a:r>
           </a:p>
           <a:p>
             <a:pPr lvl="1"/>
             <a:r>
-              <a:rPr lang="en-US" dirty="0">
+              <a:rPr lang="en-US" noProof="0" dirty="0">
                 <a:solidFill>
                   <a:srgbClr val="FF0000"/>
                 </a:solidFill>
@@ -28458,14 +28347,14 @@
               <a:t>Frame the problem</a:t>
             </a:r>
             <a:r>
-              <a:rPr lang="en-US" dirty="0"/>
+              <a:rPr lang="en-US" noProof="0" dirty="0"/>
               <a:t> and look at the big picture</a:t>
             </a:r>
           </a:p>
           <a:p>
             <a:pPr lvl="1"/>
             <a:r>
-              <a:rPr lang="en-US" i="1" dirty="0"/>
+              <a:rPr lang="en-US" i="1" noProof="0" dirty="0"/>
               <a:t>"We’ll use the California Housing Prices. Our task is to use California census data to forecast housing prices given the population, median income, and median housing price for each block group in California. Block groups are the smallest geographical unit for which the US Census Bureau publishes sample data (a block group typically has a population of 600 to 3,000 people)"</a:t>
             </a:r>
           </a:p>
@@ -28650,22 +28539,9 @@
           <a:lstStyle/>
           <a:p>
             <a:r>
-              <a:rPr lang="it-IT" dirty="0" err="1"/>
-              <a:t>Integrated</a:t>
-            </a:r>
-            <a:r>
-              <a:rPr lang="it-IT" dirty="0"/>
-              <a:t> </a:t>
-            </a:r>
-            <a:r>
-              <a:rPr lang="it-IT" dirty="0" err="1"/>
-              <a:t>analytics</a:t>
-            </a:r>
-            <a:r>
-              <a:rPr lang="it-IT" dirty="0"/>
-              <a:t> lab</a:t>
-            </a:r>
-            <a:endParaRPr lang="en-US" dirty="0"/>
+              <a:rPr lang="en-US" noProof="0" dirty="0"/>
+              <a:t>Integrated analytics lab</a:t>
+            </a:r>
           </a:p>
         </p:txBody>
       </p:sp>
@@ -28880,10 +28756,9 @@
           <a:lstStyle/>
           <a:p>
             <a:r>
-              <a:rPr lang="it-IT" dirty="0"/>
+              <a:rPr lang="en-US" noProof="0" dirty="0"/>
               <a:t>Python</a:t>
             </a:r>
-            <a:endParaRPr lang="en-US" dirty="0"/>
           </a:p>
         </p:txBody>
       </p:sp>
@@ -28914,38 +28789,38 @@
           <a:lstStyle/>
           <a:p>
             <a:r>
-              <a:rPr lang="en-US" dirty="0"/>
+              <a:rPr lang="en-US" noProof="0" dirty="0"/>
               <a:t>Python features make it suitable for analysis operations </a:t>
             </a:r>
           </a:p>
           <a:p>
             <a:pPr lvl="1"/>
             <a:r>
-              <a:rPr lang="en-US" dirty="0"/>
+              <a:rPr lang="en-US" noProof="0" dirty="0"/>
               <a:t>Interactively usable, scripts, and complete programs</a:t>
             </a:r>
           </a:p>
           <a:p>
             <a:r>
-              <a:rPr lang="en-US" dirty="0"/>
+              <a:rPr lang="en-US" noProof="0" dirty="0"/>
               <a:t>Several libraries that make Python a complete data analysis environment</a:t>
             </a:r>
           </a:p>
           <a:p>
             <a:pPr lvl="1"/>
             <a:r>
-              <a:rPr lang="en-US" dirty="0"/>
+              <a:rPr lang="en-US" noProof="0" dirty="0"/>
               <a:t>Python is increasingly used as a replacement for R and other ad-hoc software </a:t>
             </a:r>
           </a:p>
           <a:p>
             <a:pPr lvl="1"/>
             <a:r>
-              <a:rPr lang="en-US" dirty="0"/>
+              <a:rPr lang="en-US" noProof="0" dirty="0"/>
               <a:t>E.g., </a:t>
             </a:r>
             <a:r>
-              <a:rPr lang="en-US" dirty="0">
+              <a:rPr lang="en-US" noProof="0" dirty="0">
                 <a:solidFill>
                   <a:srgbClr val="0070C0"/>
                 </a:solidFill>
@@ -28953,18 +28828,18 @@
               <a:t>NumPy</a:t>
             </a:r>
             <a:r>
-              <a:rPr lang="en-US" dirty="0"/>
+              <a:rPr lang="en-US" noProof="0" dirty="0"/>
               <a:t> for the representation of data in the form of vectors and matrices </a:t>
             </a:r>
           </a:p>
           <a:p>
             <a:pPr lvl="1"/>
             <a:r>
-              <a:rPr lang="en-US" dirty="0"/>
+              <a:rPr lang="en-US" noProof="0" dirty="0"/>
               <a:t>E.g., </a:t>
             </a:r>
             <a:r>
-              <a:rPr lang="en-US" dirty="0">
+              <a:rPr lang="en-US" noProof="0" dirty="0">
                 <a:solidFill>
                   <a:srgbClr val="0070C0"/>
                 </a:solidFill>
@@ -28972,18 +28847,18 @@
               <a:t>Pandas</a:t>
             </a:r>
             <a:r>
-              <a:rPr lang="en-US" dirty="0"/>
+              <a:rPr lang="en-US" noProof="0" dirty="0"/>
               <a:t> for the manipulation and transformation of tabular data </a:t>
             </a:r>
           </a:p>
           <a:p>
             <a:pPr lvl="1"/>
             <a:r>
-              <a:rPr lang="en-US" dirty="0"/>
+              <a:rPr lang="en-US" noProof="0" dirty="0"/>
               <a:t>E.g., </a:t>
             </a:r>
             <a:r>
-              <a:rPr lang="en-US" dirty="0" err="1">
+              <a:rPr lang="en-US" noProof="0" dirty="0" err="1">
                 <a:solidFill>
                   <a:srgbClr val="0070C0"/>
                 </a:solidFill>
@@ -28991,18 +28866,18 @@
               <a:t>Sklearn</a:t>
             </a:r>
             <a:r>
-              <a:rPr lang="en-US" dirty="0"/>
+              <a:rPr lang="en-US" noProof="0" dirty="0"/>
               <a:t> for the application of machine learning and data mining algorithms</a:t>
             </a:r>
           </a:p>
           <a:p>
             <a:pPr lvl="1"/>
             <a:r>
-              <a:rPr lang="en-US" dirty="0"/>
+              <a:rPr lang="en-US" noProof="0" dirty="0"/>
               <a:t>E.g., </a:t>
             </a:r>
             <a:r>
-              <a:rPr lang="en-US" dirty="0">
+              <a:rPr lang="en-US" noProof="0" dirty="0">
                 <a:solidFill>
                   <a:srgbClr val="0070C0"/>
                 </a:solidFill>
@@ -29010,7 +28885,7 @@
               <a:t>Matplotlib</a:t>
             </a:r>
             <a:r>
-              <a:rPr lang="en-US" dirty="0"/>
+              <a:rPr lang="en-US" noProof="0" dirty="0"/>
               <a:t> for data visualization</a:t>
             </a:r>
           </a:p>
@@ -29110,10 +28985,10 @@
           <a:bodyPr/>
           <a:lstStyle/>
           <a:p>
-            <a:endParaRPr lang="en-US" dirty="0"/>
-          </a:p>
-          <a:p>
-            <a:endParaRPr lang="en-US" dirty="0"/>
+            <a:endParaRPr lang="en-US" noProof="0" dirty="0"/>
+          </a:p>
+          <a:p>
+            <a:endParaRPr lang="en-US" noProof="0" dirty="0"/>
           </a:p>
         </p:txBody>
       </p:sp>
@@ -29174,22 +29049,9 @@
           <a:lstStyle/>
           <a:p>
             <a:r>
-              <a:rPr lang="it-IT" dirty="0" err="1"/>
-              <a:t>Integrated</a:t>
-            </a:r>
-            <a:r>
-              <a:rPr lang="it-IT" dirty="0"/>
-              <a:t> </a:t>
-            </a:r>
-            <a:r>
-              <a:rPr lang="it-IT" dirty="0" err="1"/>
-              <a:t>analytics</a:t>
-            </a:r>
-            <a:r>
-              <a:rPr lang="it-IT" dirty="0"/>
-              <a:t> lab</a:t>
-            </a:r>
-            <a:endParaRPr lang="en-US" dirty="0"/>
+              <a:rPr lang="en-US" noProof="0" dirty="0"/>
+              <a:t>Integrated analytics lab</a:t>
+            </a:r>
           </a:p>
         </p:txBody>
       </p:sp>
@@ -29220,21 +29082,21 @@
           <a:lstStyle/>
           <a:p>
             <a:r>
-              <a:rPr lang="en-US" dirty="0"/>
+              <a:rPr lang="en-US" noProof="0" dirty="0"/>
               <a:t>This checklist can help you while building your projects</a:t>
             </a:r>
           </a:p>
           <a:p>
             <a:pPr lvl="1"/>
             <a:r>
-              <a:rPr lang="en-US" dirty="0"/>
+              <a:rPr lang="en-US" noProof="0" dirty="0"/>
               <a:t>Frame the problem and look at the big picture</a:t>
             </a:r>
           </a:p>
           <a:p>
             <a:pPr lvl="2"/>
             <a:r>
-              <a:rPr lang="en-US" dirty="0">
+              <a:rPr lang="en-US" noProof="0" dirty="0">
                 <a:solidFill>
                   <a:srgbClr val="FF0000"/>
                 </a:solidFill>
@@ -29242,14 +29104,14 @@
               <a:t>Knowing the objective</a:t>
             </a:r>
             <a:r>
-              <a:rPr lang="en-US" dirty="0"/>
+              <a:rPr lang="en-US" noProof="0" dirty="0"/>
               <a:t> is important because it will determine how you frame the problem, which algorithms you will select, which performance measure you will use to evaluate your model, and how much effort you will spend tweaking it.</a:t>
             </a:r>
           </a:p>
           <a:p>
             <a:pPr lvl="2"/>
             <a:r>
-              <a:rPr lang="en-US" i="1" dirty="0"/>
+              <a:rPr lang="en-US" i="1" noProof="0" dirty="0"/>
               <a:t>"Your boss answers that your model’s output (a prediction of a district’s median housing price) will be fed to another Machine Learning system, along with many other signals. This downstream system will determine whether it is worth investing in a given area or not. Getting this right is critical, as it directly affects revenue."</a:t>
             </a:r>
           </a:p>
@@ -29435,22 +29297,9 @@
           <a:lstStyle/>
           <a:p>
             <a:r>
-              <a:rPr lang="it-IT" dirty="0" err="1"/>
-              <a:t>Integrated</a:t>
-            </a:r>
-            <a:r>
-              <a:rPr lang="it-IT" dirty="0"/>
-              <a:t> </a:t>
-            </a:r>
-            <a:r>
-              <a:rPr lang="it-IT" dirty="0" err="1"/>
-              <a:t>analytics</a:t>
-            </a:r>
-            <a:r>
-              <a:rPr lang="it-IT" dirty="0"/>
-              <a:t> lab</a:t>
-            </a:r>
-            <a:endParaRPr lang="en-US" dirty="0"/>
+              <a:rPr lang="en-US" noProof="0" dirty="0"/>
+              <a:t>Integrated analytics lab</a:t>
+            </a:r>
           </a:p>
         </p:txBody>
       </p:sp>
@@ -29481,84 +29330,84 @@
           <a:lstStyle/>
           <a:p>
             <a:r>
-              <a:rPr lang="en-US" dirty="0"/>
+              <a:rPr lang="en-US" noProof="0" dirty="0"/>
               <a:t>This checklist can help you while building your projects</a:t>
             </a:r>
           </a:p>
           <a:p>
             <a:pPr lvl="1"/>
             <a:r>
-              <a:rPr lang="en-US" dirty="0"/>
+              <a:rPr lang="en-US" noProof="0" dirty="0"/>
               <a:t>Frame the problem and look at the big picture</a:t>
             </a:r>
           </a:p>
           <a:p>
             <a:pPr lvl="2"/>
             <a:r>
-              <a:rPr lang="en-US" dirty="0"/>
+              <a:rPr lang="en-US" noProof="0" dirty="0"/>
               <a:t>✔Define the objective in business terms</a:t>
             </a:r>
           </a:p>
           <a:p>
             <a:pPr lvl="2"/>
             <a:r>
-              <a:rPr lang="en-US" dirty="0"/>
+              <a:rPr lang="en-US" noProof="0" dirty="0"/>
               <a:t>✖How should performance be measured? (postponed for later)</a:t>
             </a:r>
           </a:p>
           <a:p>
             <a:pPr lvl="1"/>
             <a:r>
-              <a:rPr lang="en-US" dirty="0"/>
+              <a:rPr lang="en-US" noProof="0" dirty="0"/>
               <a:t>Get the data</a:t>
             </a:r>
           </a:p>
           <a:p>
             <a:pPr lvl="2"/>
             <a:r>
-              <a:rPr lang="en-US" dirty="0"/>
+              <a:rPr lang="en-US" noProof="0" dirty="0"/>
               <a:t>✔ List the data you need and how much you need</a:t>
             </a:r>
           </a:p>
           <a:p>
             <a:pPr lvl="3"/>
             <a:r>
-              <a:rPr lang="en-US" dirty="0"/>
+              <a:rPr lang="en-US" noProof="0" dirty="0"/>
               <a:t>In typical environments your data would be available in a relational database (or some other common data store) and/or spread across multiple tables/documents/files</a:t>
             </a:r>
           </a:p>
           <a:p>
             <a:pPr lvl="3"/>
             <a:r>
-              <a:rPr lang="en-US" dirty="0"/>
+              <a:rPr lang="en-US" noProof="0" dirty="0"/>
               <a:t>In this project, however, things are much simpler</a:t>
             </a:r>
           </a:p>
           <a:p>
             <a:pPr lvl="1"/>
             <a:r>
-              <a:rPr lang="en-US" dirty="0"/>
+              <a:rPr lang="en-US" noProof="0" dirty="0"/>
               <a:t>Explore the data to gain insights</a:t>
             </a:r>
           </a:p>
           <a:p>
             <a:pPr lvl="2"/>
             <a:r>
-              <a:rPr lang="en-US" dirty="0"/>
+              <a:rPr lang="en-US" noProof="0" dirty="0"/>
               <a:t>✔ Create an environment to keep track of your data exploration</a:t>
             </a:r>
           </a:p>
           <a:p>
             <a:pPr lvl="3"/>
             <a:r>
-              <a:rPr lang="en-US" dirty="0"/>
+              <a:rPr lang="en-US" noProof="0" dirty="0"/>
               <a:t>You have been provided with notebook environments</a:t>
             </a:r>
           </a:p>
           <a:p>
             <a:pPr lvl="2"/>
             <a:r>
-              <a:rPr lang="en-US" dirty="0">
+              <a:rPr lang="en-US" noProof="0" dirty="0">
                 <a:solidFill>
                   <a:schemeClr val="accent6"/>
                 </a:solidFill>
@@ -29569,7 +29418,7 @@
           <a:p>
             <a:pPr lvl="3"/>
             <a:r>
-              <a:rPr lang="en-US" dirty="0">
+              <a:rPr lang="en-US" noProof="0" dirty="0">
                 <a:solidFill>
                   <a:schemeClr val="accent6"/>
                 </a:solidFill>
@@ -30099,10 +29948,9 @@
           <a:lstStyle/>
           <a:p>
             <a:r>
-              <a:rPr lang="it-IT" dirty="0"/>
+              <a:rPr lang="en-US" noProof="0" dirty="0"/>
               <a:t>In action!</a:t>
             </a:r>
-            <a:endParaRPr lang="en-US" dirty="0"/>
           </a:p>
         </p:txBody>
       </p:sp>
@@ -30187,14 +30035,14 @@
           <a:lstStyle/>
           <a:p>
             <a:r>
-              <a:rPr lang="en-US" dirty="0">
+              <a:rPr lang="en-US" noProof="0" dirty="0">
                 <a:latin typeface="Helvetica"/>
                 <a:cs typeface="Helvetica"/>
                 <a:hlinkClick r:id="rId7"/>
               </a:rPr>
               <a:t>https://github.com/w4bo/2022-bbs-dsaa/blob/master/materials/01-DataPreprocessing.ipynb</a:t>
             </a:r>
-            <a:endParaRPr lang="en-US" dirty="0"/>
+            <a:endParaRPr lang="en-US" noProof="0" dirty="0"/>
           </a:p>
         </p:txBody>
       </p:sp>
@@ -30319,10 +30167,9 @@
           <a:lstStyle/>
           <a:p>
             <a:r>
-              <a:rPr lang="it-IT" dirty="0"/>
+              <a:rPr lang="en-US" noProof="0" dirty="0"/>
               <a:t>In action!</a:t>
             </a:r>
-            <a:endParaRPr lang="en-US" dirty="0"/>
           </a:p>
         </p:txBody>
       </p:sp>
@@ -30683,22 +30530,9 @@
           <a:lstStyle/>
           <a:p>
             <a:r>
-              <a:rPr lang="it-IT" dirty="0" err="1"/>
-              <a:t>Integrated</a:t>
-            </a:r>
-            <a:r>
-              <a:rPr lang="it-IT" dirty="0"/>
-              <a:t> </a:t>
-            </a:r>
-            <a:r>
-              <a:rPr lang="it-IT" dirty="0" err="1"/>
-              <a:t>analytics</a:t>
-            </a:r>
-            <a:r>
-              <a:rPr lang="it-IT" dirty="0"/>
-              <a:t> lab</a:t>
-            </a:r>
-            <a:endParaRPr lang="en-US" dirty="0"/>
+              <a:rPr lang="en-US" noProof="0" dirty="0"/>
+              <a:t>Integrated analytics lab</a:t>
+            </a:r>
           </a:p>
         </p:txBody>
       </p:sp>
@@ -30729,105 +30563,100 @@
           <a:lstStyle/>
           <a:p>
             <a:r>
-              <a:rPr lang="en-US" dirty="0"/>
+              <a:rPr lang="en-US" noProof="0" dirty="0"/>
               <a:t>This checklist can help you while building your projects</a:t>
             </a:r>
           </a:p>
           <a:p>
             <a:pPr lvl="1"/>
             <a:r>
-              <a:rPr lang="en-US" dirty="0"/>
+              <a:rPr lang="en-US" noProof="0" dirty="0"/>
               <a:t> Frame the problem and look at the big picture</a:t>
             </a:r>
           </a:p>
           <a:p>
             <a:pPr lvl="2"/>
             <a:r>
-              <a:rPr lang="en-US" dirty="0"/>
+              <a:rPr lang="en-US" noProof="0" dirty="0"/>
               <a:t>✔ Define the objective in business terms</a:t>
             </a:r>
           </a:p>
           <a:p>
             <a:pPr lvl="2"/>
             <a:r>
-              <a:rPr lang="en-US" dirty="0"/>
+              <a:rPr lang="en-US" noProof="0" dirty="0"/>
               <a:t>✔ How should performance be measured?</a:t>
             </a:r>
           </a:p>
           <a:p>
             <a:pPr lvl="1"/>
             <a:r>
-              <a:rPr lang="en-US" dirty="0"/>
+              <a:rPr lang="en-US" noProof="0" dirty="0"/>
               <a:t> Get the data</a:t>
             </a:r>
           </a:p>
           <a:p>
             <a:pPr lvl="2"/>
             <a:r>
-              <a:rPr lang="en-US" dirty="0"/>
+              <a:rPr lang="en-US" noProof="0" dirty="0"/>
               <a:t>✔ List the data you need and how much you need</a:t>
             </a:r>
           </a:p>
           <a:p>
             <a:pPr lvl="1"/>
             <a:r>
-              <a:rPr lang="en-US" dirty="0"/>
+              <a:rPr lang="en-US" noProof="0" dirty="0"/>
               <a:t>Explore the data to gain insights</a:t>
             </a:r>
           </a:p>
           <a:p>
             <a:pPr lvl="2"/>
             <a:r>
-              <a:rPr lang="en-US" dirty="0"/>
+              <a:rPr lang="en-US" noProof="0" dirty="0"/>
               <a:t>✔ Create an environment to keep track of your data exploration </a:t>
             </a:r>
           </a:p>
           <a:p>
             <a:pPr lvl="2"/>
             <a:r>
-              <a:rPr lang="en-US" dirty="0"/>
+              <a:rPr lang="en-US" noProof="0" dirty="0"/>
               <a:t>✔ Study each attribute and its characteristics</a:t>
             </a:r>
           </a:p>
           <a:p>
             <a:pPr lvl="1"/>
             <a:r>
-              <a:rPr lang="en-US" dirty="0"/>
+              <a:rPr lang="en-US" noProof="0" dirty="0"/>
               <a:t>Prepare the data</a:t>
             </a:r>
           </a:p>
           <a:p>
             <a:pPr lvl="2"/>
             <a:r>
-              <a:rPr lang="en-US" dirty="0"/>
+              <a:rPr lang="en-US" noProof="0" dirty="0"/>
               <a:t>✔ Fix or remove outliers (optional)</a:t>
             </a:r>
           </a:p>
           <a:p>
             <a:pPr lvl="2"/>
             <a:r>
-              <a:rPr lang="en-US" dirty="0"/>
+              <a:rPr lang="en-US" noProof="0" dirty="0"/>
               <a:t>✔ Fill in missing values (e.g., with zero, mean, median…) or drop their rows (or columns)</a:t>
             </a:r>
           </a:p>
           <a:p>
             <a:pPr lvl="2"/>
             <a:r>
-              <a:rPr lang="en-US" dirty="0"/>
+              <a:rPr lang="en-US" noProof="0" dirty="0"/>
               <a:t>✔ Feature selection (optional): drop the attributes that provide no useful information for the task</a:t>
             </a:r>
           </a:p>
           <a:p>
             <a:pPr lvl="2"/>
             <a:r>
-              <a:rPr lang="en-US" dirty="0"/>
-              <a:t>✔ Feature engineering, where appropriate: discretize </a:t>
-            </a:r>
-            <a:r>
-              <a:rPr lang="en-US"/>
-              <a:t>continuous features</a:t>
-            </a:r>
-            <a:endParaRPr lang="en-US" dirty="0"/>
+              <a:rPr lang="en-US" noProof="0" dirty="0"/>
+              <a:t>✔ Feature engineering, where appropriate: discretize continuous features</a:t>
+            </a:r>
           </a:p>
         </p:txBody>
       </p:sp>
@@ -30981,10 +30810,9 @@
           <a:lstStyle/>
           <a:p>
             <a:r>
-              <a:rPr lang="it-IT" dirty="0"/>
+              <a:rPr lang="en-US" noProof="0" dirty="0"/>
               <a:t>Python</a:t>
             </a:r>
-            <a:endParaRPr lang="en-US" dirty="0"/>
           </a:p>
         </p:txBody>
       </p:sp>
@@ -31015,27 +30843,27 @@
           <a:lstStyle/>
           <a:p>
             <a:r>
-              <a:rPr lang="en-US" dirty="0"/>
-              <a:t>Two different major versions of Python </a:t>
+              <a:rPr lang="en-US" noProof="0" dirty="0"/>
+              <a:t>Major versions of Python </a:t>
             </a:r>
           </a:p>
           <a:p>
             <a:pPr lvl="1"/>
             <a:r>
-              <a:rPr lang="en-US" dirty="0"/>
+              <a:rPr lang="en-US" noProof="0" dirty="0"/>
               <a:t>Python 2, end of support in 2020</a:t>
             </a:r>
           </a:p>
           <a:p>
             <a:pPr lvl="1"/>
             <a:r>
-              <a:rPr lang="en-US" dirty="0"/>
+              <a:rPr lang="en-US" noProof="0" dirty="0"/>
               <a:t>Python 3 </a:t>
             </a:r>
           </a:p>
           <a:p>
             <a:r>
-              <a:rPr lang="en-US" dirty="0"/>
+              <a:rPr lang="en-US" noProof="0" dirty="0"/>
               <a:t>We will use Python 3</a:t>
             </a:r>
           </a:p>
@@ -31191,10 +31019,9 @@
           <a:lstStyle/>
           <a:p>
             <a:r>
-              <a:rPr lang="it-IT" dirty="0"/>
+              <a:rPr lang="en-US" noProof="0" dirty="0"/>
               <a:t>Python</a:t>
             </a:r>
-            <a:endParaRPr lang="en-US" dirty="0"/>
           </a:p>
         </p:txBody>
       </p:sp>
@@ -31225,14 +31052,14 @@
           <a:lstStyle/>
           <a:p>
             <a:r>
-              <a:rPr lang="en-US" dirty="0"/>
+              <a:rPr lang="en-US" noProof="0" dirty="0"/>
               <a:t>A Python statement is contained by default in a row</a:t>
             </a:r>
           </a:p>
           <a:p>
             <a:pPr lvl="1"/>
             <a:r>
-              <a:rPr lang="en-US" dirty="0">
+              <a:rPr lang="en-US" noProof="0" dirty="0">
                 <a:solidFill>
                   <a:schemeClr val="accent1"/>
                 </a:solidFill>
@@ -31242,14 +31069,14 @@
           </a:p>
           <a:p>
             <a:r>
-              <a:rPr lang="en-US" dirty="0"/>
+              <a:rPr lang="en-US" noProof="0" dirty="0"/>
               <a:t>Write several separate line instructions with “;”</a:t>
             </a:r>
           </a:p>
           <a:p>
             <a:pPr lvl="1"/>
             <a:r>
-              <a:rPr lang="en-US" dirty="0">
+              <a:rPr lang="en-US" noProof="0" dirty="0">
                 <a:solidFill>
                   <a:schemeClr val="accent1"/>
                 </a:solidFill>
@@ -31259,11 +31086,11 @@
           </a:p>
           <a:p>
             <a:r>
-              <a:rPr lang="en-US" dirty="0"/>
+              <a:rPr lang="en-US" noProof="0" dirty="0"/>
               <a:t>Comments begins with “</a:t>
             </a:r>
             <a:r>
-              <a:rPr lang="en-US" sz="1800" dirty="0">
+              <a:rPr lang="en-US" sz="1800" noProof="0" dirty="0">
                 <a:solidFill>
                   <a:srgbClr val="00B050"/>
                 </a:solidFill>
@@ -31271,14 +31098,14 @@
               <a:t>#</a:t>
             </a:r>
             <a:r>
-              <a:rPr lang="en-US" dirty="0"/>
+              <a:rPr lang="en-US" noProof="0" dirty="0"/>
               <a:t>” and end at the end of the line</a:t>
             </a:r>
           </a:p>
           <a:p>
             <a:pPr lvl="1"/>
             <a:r>
-              <a:rPr lang="en-US" dirty="0">
+              <a:rPr lang="en-US" noProof="0" dirty="0">
                 <a:solidFill>
                   <a:srgbClr val="00B050"/>
                 </a:solidFill>
@@ -31289,7 +31116,7 @@
           <a:p>
             <a:pPr lvl="1"/>
             <a:r>
-              <a:rPr lang="en-US" dirty="0">
+              <a:rPr lang="en-US" noProof="0" dirty="0">
                 <a:solidFill>
                   <a:schemeClr val="accent1"/>
                 </a:solidFill>
@@ -31297,7 +31124,7 @@
               <a:t>print("Hello, world") </a:t>
             </a:r>
             <a:r>
-              <a:rPr lang="en-US" dirty="0">
+              <a:rPr lang="en-US" noProof="0" dirty="0">
                 <a:solidFill>
                   <a:srgbClr val="00B050"/>
                 </a:solidFill>
@@ -31307,18 +31134,18 @@
           </a:p>
           <a:p>
             <a:r>
-              <a:rPr lang="en-US" dirty="0"/>
+              <a:rPr lang="en-US" noProof="0" dirty="0"/>
               <a:t>A statement can continue in the next row</a:t>
             </a:r>
           </a:p>
           <a:p>
             <a:pPr lvl="1"/>
             <a:r>
-              <a:rPr lang="en-US" dirty="0"/>
+              <a:rPr lang="en-US" noProof="0" dirty="0"/>
               <a:t>Explicit: the row ends with “</a:t>
             </a:r>
             <a:r>
-              <a:rPr lang="en-US" dirty="0">
+              <a:rPr lang="en-US" noProof="0" dirty="0">
                 <a:solidFill>
                   <a:schemeClr val="accent1"/>
                 </a:solidFill>
@@ -31326,14 +31153,14 @@
               <a:t>\</a:t>
             </a:r>
             <a:r>
-              <a:rPr lang="en-US" dirty="0"/>
+              <a:rPr lang="en-US" noProof="0" dirty="0"/>
               <a:t>”</a:t>
             </a:r>
           </a:p>
           <a:p>
             <a:pPr lvl="1"/>
             <a:r>
-              <a:rPr lang="en-US" dirty="0"/>
+              <a:rPr lang="en-US" noProof="0" dirty="0"/>
               <a:t>Implicit: if there are unclosed brackets</a:t>
             </a:r>
           </a:p>
@@ -31342,7 +31169,7 @@
               <a:buNone/>
             </a:pPr>
             <a:r>
-              <a:rPr lang="en-US" dirty="0">
+              <a:rPr lang="en-US" noProof="0" dirty="0">
                 <a:solidFill>
                   <a:schemeClr val="accent1"/>
                 </a:solidFill>
@@ -31355,7 +31182,7 @@
               <a:buNone/>
             </a:pPr>
             <a:r>
-              <a:rPr lang="en-US" dirty="0">
+              <a:rPr lang="en-US" noProof="0" dirty="0">
                 <a:solidFill>
                   <a:schemeClr val="accent1"/>
                 </a:solidFill>
@@ -31363,7 +31190,7 @@
               <a:t> 	</a:t>
             </a:r>
             <a:r>
-              <a:rPr lang="en-US" sz="1600" dirty="0">
+              <a:rPr lang="en-US" sz="1600" noProof="0" dirty="0">
                 <a:solidFill>
                   <a:schemeClr val="accent1"/>
                 </a:solidFill>
@@ -31518,7 +31345,7 @@
           <a:lstStyle/>
           <a:p>
             <a:r>
-              <a:rPr lang="en-US"/>
+              <a:rPr lang="en-US" noProof="0" dirty="0"/>
               <a:t>Python</a:t>
             </a:r>
           </a:p>
@@ -31551,11 +31378,11 @@
           <a:lstStyle/>
           <a:p>
             <a:r>
-              <a:rPr lang="en-US" dirty="0"/>
+              <a:rPr lang="en-US" noProof="0" dirty="0"/>
               <a:t>In other languages, code blocks (</a:t>
             </a:r>
             <a:r>
-              <a:rPr lang="en-US" dirty="0">
+              <a:rPr lang="en-US" noProof="0" dirty="0">
                 <a:solidFill>
                   <a:schemeClr val="accent1"/>
                 </a:solidFill>
@@ -31563,11 +31390,11 @@
               <a:t>if</a:t>
             </a:r>
             <a:r>
-              <a:rPr lang="en-US" dirty="0"/>
+              <a:rPr lang="en-US" noProof="0" dirty="0"/>
               <a:t>, </a:t>
             </a:r>
             <a:r>
-              <a:rPr lang="en-US" dirty="0">
+              <a:rPr lang="en-US" noProof="0" dirty="0">
                 <a:solidFill>
                   <a:schemeClr val="accent1"/>
                 </a:solidFill>
@@ -31575,11 +31402,11 @@
               <a:t>for</a:t>
             </a:r>
             <a:r>
-              <a:rPr lang="en-US" dirty="0"/>
+              <a:rPr lang="en-US" noProof="0" dirty="0"/>
               <a:t>, etc.) are usually delimited by specific symbols (e.g., “</a:t>
             </a:r>
             <a:r>
-              <a:rPr lang="en-US" dirty="0">
+              <a:rPr lang="en-US" noProof="0" dirty="0">
                 <a:solidFill>
                   <a:schemeClr val="accent1"/>
                 </a:solidFill>
@@ -31587,11 +31414,11 @@
               <a:t>{</a:t>
             </a:r>
             <a:r>
-              <a:rPr lang="en-US" dirty="0"/>
+              <a:rPr lang="en-US" noProof="0" dirty="0"/>
               <a:t>” and “</a:t>
             </a:r>
             <a:r>
-              <a:rPr lang="en-US" dirty="0">
+              <a:rPr lang="en-US" noProof="0" dirty="0">
                 <a:solidFill>
                   <a:schemeClr val="accent1"/>
                 </a:solidFill>
@@ -31599,31 +31426,31 @@
               <a:t>}</a:t>
             </a:r>
             <a:r>
-              <a:rPr lang="en-US" dirty="0"/>
+              <a:rPr lang="en-US" noProof="0" dirty="0"/>
               <a:t>”)</a:t>
             </a:r>
           </a:p>
           <a:p>
             <a:pPr lvl="1"/>
             <a:r>
-              <a:rPr lang="en-US" dirty="0"/>
+              <a:rPr lang="en-US" noProof="0" dirty="0"/>
               <a:t>Indentation is used for better readability</a:t>
             </a:r>
           </a:p>
           <a:p>
             <a:r>
-              <a:rPr lang="en-US" dirty="0"/>
+              <a:rPr lang="en-US" noProof="0" dirty="0"/>
               <a:t>Python only uses indentation to delimit code blocks</a:t>
             </a:r>
           </a:p>
           <a:p>
             <a:pPr lvl="1"/>
             <a:r>
-              <a:rPr lang="en-US" dirty="0"/>
+              <a:rPr lang="en-US" noProof="0" dirty="0"/>
               <a:t>Each row introducing a block (e.g., </a:t>
             </a:r>
             <a:r>
-              <a:rPr lang="en-US" dirty="0">
+              <a:rPr lang="en-US" noProof="0" dirty="0">
                 <a:solidFill>
                   <a:schemeClr val="accent1"/>
                 </a:solidFill>
@@ -31631,11 +31458,11 @@
               <a:t>if</a:t>
             </a:r>
             <a:r>
-              <a:rPr lang="en-US" dirty="0"/>
+              <a:rPr lang="en-US" noProof="0" dirty="0"/>
               <a:t>) ends with “</a:t>
             </a:r>
             <a:r>
-              <a:rPr lang="en-US" dirty="0">
+              <a:rPr lang="en-US" noProof="0" dirty="0">
                 <a:solidFill>
                   <a:schemeClr val="accent1"/>
                 </a:solidFill>
@@ -31643,25 +31470,25 @@
               <a:t>:</a:t>
             </a:r>
             <a:r>
-              <a:rPr lang="en-US" dirty="0"/>
+              <a:rPr lang="en-US" noProof="0" dirty="0"/>
               <a:t>”</a:t>
             </a:r>
           </a:p>
           <a:p>
             <a:pPr lvl="1"/>
             <a:r>
-              <a:rPr lang="en-US" dirty="0"/>
+              <a:rPr lang="en-US" noProof="0" dirty="0"/>
               <a:t>Rows within the same block are indented the same (i.e., same number of spaces)</a:t>
             </a:r>
           </a:p>
           <a:p>
             <a:pPr lvl="1"/>
             <a:r>
-              <a:rPr lang="en-US" dirty="0"/>
+              <a:rPr lang="en-US" noProof="0" dirty="0"/>
               <a:t>An empty block contains the keyword “</a:t>
             </a:r>
             <a:r>
-              <a:rPr lang="en-US" dirty="0">
+              <a:rPr lang="en-US" noProof="0" dirty="0">
                 <a:solidFill>
                   <a:schemeClr val="accent1"/>
                 </a:solidFill>
@@ -31669,7 +31496,7 @@
               <a:t>pass</a:t>
             </a:r>
             <a:r>
-              <a:rPr lang="en-US" dirty="0"/>
+              <a:rPr lang="en-US" noProof="0" dirty="0"/>
               <a:t>”</a:t>
             </a:r>
           </a:p>
@@ -31854,10 +31681,9 @@
           <a:lstStyle/>
           <a:p>
             <a:r>
-              <a:rPr lang="it-IT" dirty="0"/>
+              <a:rPr lang="en-US" noProof="0" dirty="0"/>
               <a:t>Python</a:t>
             </a:r>
-            <a:endParaRPr lang="en-US" dirty="0"/>
           </a:p>
         </p:txBody>
       </p:sp>
@@ -31888,18 +31714,18 @@
           <a:lstStyle/>
           <a:p>
             <a:r>
-              <a:rPr lang="en-US" dirty="0"/>
+              <a:rPr lang="en-US" noProof="0" dirty="0"/>
               <a:t>Everything is an object: numbers, lists, functions, etc.</a:t>
             </a:r>
           </a:p>
           <a:p>
             <a:pPr lvl="1"/>
             <a:r>
-              <a:rPr lang="en-US" dirty="0"/>
+              <a:rPr lang="en-US" noProof="0" dirty="0"/>
               <a:t>Not the same as Java, where </a:t>
             </a:r>
             <a:r>
-              <a:rPr lang="en-US" dirty="0">
+              <a:rPr lang="en-US" noProof="0" dirty="0">
                 <a:solidFill>
                   <a:schemeClr val="accent1"/>
                 </a:solidFill>
@@ -31907,11 +31733,11 @@
               <a:t>int</a:t>
             </a:r>
             <a:r>
-              <a:rPr lang="en-US" dirty="0"/>
+              <a:rPr lang="en-US" noProof="0" dirty="0"/>
               <a:t> and </a:t>
             </a:r>
             <a:r>
-              <a:rPr lang="en-US" dirty="0">
+              <a:rPr lang="en-US" noProof="0" dirty="0">
                 <a:solidFill>
                   <a:schemeClr val="accent1"/>
                 </a:solidFill>
@@ -31919,27 +31745,27 @@
               <a:t>float</a:t>
             </a:r>
             <a:r>
-              <a:rPr lang="en-US" dirty="0"/>
+              <a:rPr lang="en-US" noProof="0" dirty="0"/>
               <a:t> are not objects</a:t>
             </a:r>
           </a:p>
           <a:p>
             <a:r>
-              <a:rPr lang="en-US" dirty="0"/>
+              <a:rPr lang="en-US" noProof="0" dirty="0"/>
               <a:t>Objects have attributes and methods accessed via the "." syntax</a:t>
             </a:r>
           </a:p>
           <a:p>
             <a:pPr lvl="1"/>
             <a:r>
-              <a:rPr lang="en-US" dirty="0" err="1">
+              <a:rPr lang="en-US" noProof="0" dirty="0" err="1">
                 <a:solidFill>
                   <a:schemeClr val="accent1"/>
                 </a:solidFill>
               </a:rPr>
               <a:t>object.attribute</a:t>
             </a:r>
-            <a:endParaRPr lang="en-US" dirty="0">
+            <a:endParaRPr lang="en-US" noProof="0" dirty="0">
               <a:solidFill>
                 <a:schemeClr val="accent1"/>
               </a:solidFill>
@@ -31947,31 +31773,31 @@
           </a:p>
           <a:p>
             <a:r>
-              <a:rPr lang="en-US" dirty="0"/>
+              <a:rPr lang="en-US" noProof="0" dirty="0"/>
               <a:t>The object type determines the available attributes and operations</a:t>
             </a:r>
           </a:p>
           <a:p>
             <a:pPr lvl="1"/>
             <a:r>
-              <a:rPr lang="en-US" dirty="0"/>
+              <a:rPr lang="en-US" noProof="0" dirty="0"/>
               <a:t>Object types are known only at execution time</a:t>
             </a:r>
           </a:p>
           <a:p>
             <a:pPr lvl="1"/>
             <a:r>
-              <a:rPr lang="en-US" dirty="0"/>
+              <a:rPr lang="en-US" noProof="0" dirty="0"/>
               <a:t>Not the same as Java, where object types are known at compile time (i.e., before execution)</a:t>
             </a:r>
           </a:p>
           <a:p>
             <a:r>
-              <a:rPr lang="en-US" dirty="0"/>
+              <a:rPr lang="en-US" noProof="0" dirty="0"/>
               <a:t>The object </a:t>
             </a:r>
             <a:r>
-              <a:rPr lang="en-US" dirty="0">
+              <a:rPr lang="en-US" noProof="0" dirty="0">
                 <a:solidFill>
                   <a:schemeClr val="accent1"/>
                 </a:solidFill>
@@ -31979,11 +31805,11 @@
               <a:t>None</a:t>
             </a:r>
             <a:r>
-              <a:rPr lang="en-US" dirty="0"/>
+              <a:rPr lang="en-US" noProof="0" dirty="0"/>
               <a:t> (with type </a:t>
             </a:r>
             <a:r>
-              <a:rPr lang="en-US" dirty="0" err="1">
+              <a:rPr lang="en-US" noProof="0" dirty="0" err="1">
                 <a:solidFill>
                   <a:schemeClr val="accent1"/>
                 </a:solidFill>
@@ -31991,18 +31817,18 @@
               <a:t>NoneType</a:t>
             </a:r>
             <a:r>
-              <a:rPr lang="en-US" dirty="0"/>
+              <a:rPr lang="en-US" noProof="0" dirty="0"/>
               <a:t>) represents an absence of value</a:t>
             </a:r>
           </a:p>
           <a:p>
             <a:pPr lvl="1"/>
             <a:r>
-              <a:rPr lang="en-US" dirty="0"/>
+              <a:rPr lang="en-US" noProof="0" dirty="0"/>
               <a:t>As </a:t>
             </a:r>
             <a:r>
-              <a:rPr lang="en-US" dirty="0">
+              <a:rPr lang="en-US" noProof="0" dirty="0">
                 <a:solidFill>
                   <a:schemeClr val="accent1"/>
                 </a:solidFill>
@@ -32010,7 +31836,7 @@
               <a:t>null</a:t>
             </a:r>
             <a:r>
-              <a:rPr lang="en-US" dirty="0"/>
+              <a:rPr lang="en-US" noProof="0" dirty="0"/>
               <a:t> in Java (which is not an object)</a:t>
             </a:r>
           </a:p>
@@ -32141,10 +31967,9 @@
           <a:lstStyle/>
           <a:p>
             <a:r>
-              <a:rPr lang="it-IT" dirty="0"/>
+              <a:rPr lang="en-US" noProof="0" dirty="0"/>
               <a:t>Python</a:t>
             </a:r>
-            <a:endParaRPr lang="en-US" dirty="0"/>
           </a:p>
         </p:txBody>
       </p:sp>
@@ -32175,18 +32000,18 @@
           <a:lstStyle/>
           <a:p>
             <a:r>
-              <a:rPr lang="en-US" dirty="0"/>
+              <a:rPr lang="en-US" noProof="0" dirty="0"/>
               <a:t>Python introduces different object collections</a:t>
             </a:r>
           </a:p>
           <a:p>
             <a:pPr lvl="1"/>
             <a:r>
-              <a:rPr lang="en-US" dirty="0"/>
+              <a:rPr lang="en-US" noProof="0" dirty="0"/>
               <a:t>E.g., lists (</a:t>
             </a:r>
             <a:r>
-              <a:rPr lang="en-US" dirty="0">
+              <a:rPr lang="en-US" noProof="0" dirty="0">
                 <a:solidFill>
                   <a:schemeClr val="accent1"/>
                 </a:solidFill>
@@ -32194,11 +32019,11 @@
               <a:t>["cat", "cat", "dog"]</a:t>
             </a:r>
             <a:r>
-              <a:rPr lang="en-US" dirty="0"/>
+              <a:rPr lang="en-US" noProof="0" dirty="0"/>
               <a:t>)</a:t>
             </a:r>
             <a:r>
-              <a:rPr lang="en-US" dirty="0">
+              <a:rPr lang="en-US" noProof="0" dirty="0">
                 <a:solidFill>
                   <a:srgbClr val="0070C0"/>
                 </a:solidFill>
@@ -32206,11 +32031,11 @@
               <a:t>, </a:t>
             </a:r>
             <a:r>
-              <a:rPr lang="en-US" dirty="0"/>
+              <a:rPr lang="en-US" noProof="0" dirty="0"/>
               <a:t>sets (</a:t>
             </a:r>
             <a:r>
-              <a:rPr lang="en-US" dirty="0">
+              <a:rPr lang="en-US" noProof="0" dirty="0">
                 <a:solidFill>
                   <a:schemeClr val="accent1"/>
                 </a:solidFill>
@@ -32218,11 +32043,11 @@
               <a:t>{"cat", "dog"}</a:t>
             </a:r>
             <a:r>
-              <a:rPr lang="en-US" dirty="0"/>
+              <a:rPr lang="en-US" noProof="0" dirty="0"/>
               <a:t>), dictionaries (</a:t>
             </a:r>
             <a:r>
-              <a:rPr lang="en-US" dirty="0">
+              <a:rPr lang="en-US" noProof="0" dirty="0">
                 <a:solidFill>
                   <a:schemeClr val="accent1"/>
                 </a:solidFill>
@@ -32230,18 +32055,18 @@
               <a:t>{"key": "value"}</a:t>
             </a:r>
             <a:r>
-              <a:rPr lang="en-US" dirty="0"/>
+              <a:rPr lang="en-US" noProof="0" dirty="0"/>
               <a:t>)</a:t>
             </a:r>
           </a:p>
           <a:p>
             <a:pPr lvl="1"/>
             <a:r>
-              <a:rPr lang="en-US" dirty="0"/>
+              <a:rPr lang="en-US" noProof="0" dirty="0"/>
               <a:t>A collection can contain objects with heterogeneous types (e.g., the list </a:t>
             </a:r>
             <a:r>
-              <a:rPr lang="en-US" dirty="0">
+              <a:rPr lang="en-US" noProof="0" dirty="0">
                 <a:solidFill>
                   <a:schemeClr val="accent1"/>
                 </a:solidFill>
@@ -32249,18 +32074,18 @@
               <a:t>[1, "cat"]</a:t>
             </a:r>
             <a:r>
-              <a:rPr lang="en-US" dirty="0"/>
+              <a:rPr lang="en-US" noProof="0" dirty="0"/>
               <a:t>)</a:t>
             </a:r>
           </a:p>
           <a:p>
             <a:pPr lvl="1"/>
             <a:r>
-              <a:rPr lang="en-US" dirty="0"/>
+              <a:rPr lang="en-US" noProof="0" dirty="0"/>
               <a:t>Collections can be nested (e.g., the list </a:t>
             </a:r>
             <a:r>
-              <a:rPr lang="en-US" dirty="0">
+              <a:rPr lang="en-US" noProof="0" dirty="0">
                 <a:solidFill>
                   <a:schemeClr val="accent1"/>
                 </a:solidFill>
@@ -32268,45 +32093,45 @@
               <a:t>["cat", ["cat", ["dog"]]]</a:t>
             </a:r>
             <a:r>
-              <a:rPr lang="en-US" dirty="0"/>
+              <a:rPr lang="en-US" noProof="0" dirty="0"/>
               <a:t>)</a:t>
             </a:r>
           </a:p>
           <a:p>
             <a:r>
-              <a:rPr lang="en-US" dirty="0"/>
+              <a:rPr lang="en-US" noProof="0" dirty="0"/>
               <a:t>Collections can be mutable or immutable</a:t>
             </a:r>
           </a:p>
           <a:p>
             <a:pPr lvl="1"/>
             <a:r>
-              <a:rPr lang="en-US" dirty="0"/>
+              <a:rPr lang="en-US" noProof="0" dirty="0"/>
               <a:t>Mutable: it is possible to add/remove/replaces elements</a:t>
             </a:r>
           </a:p>
           <a:p>
             <a:pPr lvl="1"/>
             <a:r>
-              <a:rPr lang="en-US" dirty="0"/>
+              <a:rPr lang="en-US" noProof="0" dirty="0"/>
               <a:t>Immutable: it is not possible to modify the collection (e.g., numbers, </a:t>
             </a:r>
             <a:r>
-              <a:rPr lang="en-US" dirty="0" err="1"/>
+              <a:rPr lang="en-US" noProof="0" dirty="0" err="1"/>
               <a:t>booleans</a:t>
             </a:r>
             <a:r>
-              <a:rPr lang="en-US" dirty="0"/>
+              <a:rPr lang="en-US" noProof="0" dirty="0"/>
               <a:t>, strings)</a:t>
             </a:r>
           </a:p>
           <a:p>
             <a:r>
-              <a:rPr lang="en-US" dirty="0"/>
+              <a:rPr lang="en-US" noProof="0" dirty="0"/>
               <a:t>Strings (</a:t>
             </a:r>
             <a:r>
-              <a:rPr lang="en-US" dirty="0">
+              <a:rPr lang="en-US" noProof="0" dirty="0">
                 <a:solidFill>
                   <a:schemeClr val="accent1"/>
                 </a:solidFill>
@@ -32314,14 +32139,14 @@
               <a:t>str</a:t>
             </a:r>
             <a:r>
-              <a:rPr lang="en-US" dirty="0"/>
+              <a:rPr lang="en-US" noProof="0" dirty="0"/>
               <a:t>) are immutable sequences of characters</a:t>
             </a:r>
           </a:p>
           <a:p>
             <a:pPr lvl="1"/>
             <a:r>
-              <a:rPr lang="en-US" dirty="0"/>
+              <a:rPr lang="en-US" noProof="0" dirty="0"/>
               <a:t>A character is a string with length 1, there is not char type</a:t>
             </a:r>
           </a:p>
